--- a/Slides/09. Sobrecarga de Operadores.pptx
+++ b/Slides/09. Sobrecarga de Operadores.pptx
@@ -2578,7 +2578,7 @@
             <a:fld id="{4C457FC9-8E1D-4A40-BFF1-0E630693B1AB}" type="datetimeFigureOut">
               <a:rPr lang="pt-BR" smtClean="0"/>
               <a:pPr/>
-              <a:t>23/02/2023</a:t>
+              <a:t>08/04/2023</a:t>
             </a:fld>
             <a:endParaRPr lang="pt-BR"/>
           </a:p>
@@ -9936,547 +9936,6 @@
       </p:grpSpPr>
       <p:sp>
         <p:nvSpPr>
-          <p:cNvPr id="7" name="CaixaDeTexto 6">
-            <a:extLst>
-              <a:ext uri="{FF2B5EF4-FFF2-40B4-BE49-F238E27FC236}">
-                <a16:creationId xmlns:a16="http://schemas.microsoft.com/office/drawing/2014/main" id="{09D5323C-C7A5-14A0-CFE9-8730536BAC46}"/>
-              </a:ext>
-            </a:extLst>
-          </p:cNvPr>
-          <p:cNvSpPr txBox="1"/>
-          <p:nvPr/>
-        </p:nvSpPr>
-        <p:spPr>
-          <a:xfrm>
-            <a:off x="1508471" y="2069667"/>
-            <a:ext cx="4582774" cy="3754874"/>
-          </a:xfrm>
-          <a:prstGeom prst="rect">
-            <a:avLst/>
-          </a:prstGeom>
-          <a:noFill/>
-        </p:spPr>
-        <p:txBody>
-          <a:bodyPr wrap="square">
-            <a:spAutoFit/>
-          </a:bodyPr>
-          <a:lstStyle/>
-          <a:p>
-            <a:r>
-              <a:rPr lang="pt-BR" sz="1400" dirty="0">
-                <a:solidFill>
-                  <a:schemeClr val="accent3">
-                    <a:lumMod val="75000"/>
-                  </a:schemeClr>
-                </a:solidFill>
-                <a:latin typeface="Consolas" panose="020B0609020204030204" pitchFamily="49" charset="0"/>
-              </a:rPr>
-              <a:t>#include </a:t>
-            </a:r>
-            <a:r>
-              <a:rPr lang="pt-BR" sz="1400" dirty="0">
-                <a:solidFill>
-                  <a:schemeClr val="accent2">
-                    <a:lumMod val="60000"/>
-                    <a:lumOff val="40000"/>
-                  </a:schemeClr>
-                </a:solidFill>
-                <a:latin typeface="Consolas" panose="020B0609020204030204" pitchFamily="49" charset="0"/>
-              </a:rPr>
-              <a:t>&lt;</a:t>
-            </a:r>
-            <a:r>
-              <a:rPr lang="pt-BR" sz="1400" dirty="0" err="1">
-                <a:solidFill>
-                  <a:schemeClr val="accent2">
-                    <a:lumMod val="60000"/>
-                    <a:lumOff val="40000"/>
-                  </a:schemeClr>
-                </a:solidFill>
-                <a:latin typeface="Consolas" panose="020B0609020204030204" pitchFamily="49" charset="0"/>
-              </a:rPr>
-              <a:t>iostream</a:t>
-            </a:r>
-            <a:r>
-              <a:rPr lang="pt-BR" sz="1400" dirty="0">
-                <a:solidFill>
-                  <a:schemeClr val="accent2">
-                    <a:lumMod val="60000"/>
-                    <a:lumOff val="40000"/>
-                  </a:schemeClr>
-                </a:solidFill>
-                <a:latin typeface="Consolas" panose="020B0609020204030204" pitchFamily="49" charset="0"/>
-              </a:rPr>
-              <a:t>&gt;</a:t>
-            </a:r>
-          </a:p>
-          <a:p>
-            <a:r>
-              <a:rPr lang="pt-BR" sz="1400" dirty="0">
-                <a:solidFill>
-                  <a:schemeClr val="accent3">
-                    <a:lumMod val="75000"/>
-                  </a:schemeClr>
-                </a:solidFill>
-                <a:latin typeface="Consolas" panose="020B0609020204030204" pitchFamily="49" charset="0"/>
-              </a:rPr>
-              <a:t>#include </a:t>
-            </a:r>
-            <a:r>
-              <a:rPr lang="pt-BR" sz="1400" dirty="0">
-                <a:solidFill>
-                  <a:schemeClr val="accent2">
-                    <a:lumMod val="60000"/>
-                    <a:lumOff val="40000"/>
-                  </a:schemeClr>
-                </a:solidFill>
-                <a:latin typeface="Consolas" panose="020B0609020204030204" pitchFamily="49" charset="0"/>
-              </a:rPr>
-              <a:t>"</a:t>
-            </a:r>
-            <a:r>
-              <a:rPr lang="pt-BR" sz="1400" dirty="0" err="1">
-                <a:solidFill>
-                  <a:schemeClr val="accent2">
-                    <a:lumMod val="60000"/>
-                    <a:lumOff val="40000"/>
-                  </a:schemeClr>
-                </a:solidFill>
-                <a:latin typeface="Consolas" panose="020B0609020204030204" pitchFamily="49" charset="0"/>
-              </a:rPr>
-              <a:t>Tempo.h</a:t>
-            </a:r>
-            <a:r>
-              <a:rPr lang="pt-BR" sz="1400" dirty="0">
-                <a:solidFill>
-                  <a:schemeClr val="accent2">
-                    <a:lumMod val="60000"/>
-                    <a:lumOff val="40000"/>
-                  </a:schemeClr>
-                </a:solidFill>
-                <a:latin typeface="Consolas" panose="020B0609020204030204" pitchFamily="49" charset="0"/>
-              </a:rPr>
-              <a:t>"</a:t>
-            </a:r>
-          </a:p>
-          <a:p>
-            <a:r>
-              <a:rPr lang="pt-BR" sz="1400" dirty="0" err="1">
-                <a:solidFill>
-                  <a:schemeClr val="accent3">
-                    <a:lumMod val="75000"/>
-                  </a:schemeClr>
-                </a:solidFill>
-                <a:latin typeface="Consolas" panose="020B0609020204030204" pitchFamily="49" charset="0"/>
-              </a:rPr>
-              <a:t>using</a:t>
-            </a:r>
-            <a:r>
-              <a:rPr lang="pt-BR" sz="1400" dirty="0">
-                <a:latin typeface="Consolas" panose="020B0609020204030204" pitchFamily="49" charset="0"/>
-              </a:rPr>
-              <a:t> </a:t>
-            </a:r>
-            <a:r>
-              <a:rPr lang="pt-BR" sz="1400" dirty="0" err="1">
-                <a:latin typeface="Consolas" panose="020B0609020204030204" pitchFamily="49" charset="0"/>
-              </a:rPr>
-              <a:t>std</a:t>
-            </a:r>
-            <a:r>
-              <a:rPr lang="pt-BR" sz="1400" dirty="0">
-                <a:latin typeface="Consolas" panose="020B0609020204030204" pitchFamily="49" charset="0"/>
-              </a:rPr>
-              <a:t>::</a:t>
-            </a:r>
-            <a:r>
-              <a:rPr lang="pt-BR" sz="1400" dirty="0" err="1">
-                <a:latin typeface="Consolas" panose="020B0609020204030204" pitchFamily="49" charset="0"/>
-              </a:rPr>
-              <a:t>cout</a:t>
-            </a:r>
-            <a:r>
-              <a:rPr lang="pt-BR" sz="1400" dirty="0">
-                <a:latin typeface="Consolas" panose="020B0609020204030204" pitchFamily="49" charset="0"/>
-              </a:rPr>
-              <a:t>;</a:t>
-            </a:r>
-          </a:p>
-          <a:p>
-            <a:r>
-              <a:rPr lang="pt-BR" sz="1400" dirty="0" err="1">
-                <a:solidFill>
-                  <a:schemeClr val="accent3">
-                    <a:lumMod val="75000"/>
-                  </a:schemeClr>
-                </a:solidFill>
-                <a:latin typeface="Consolas" panose="020B0609020204030204" pitchFamily="49" charset="0"/>
-              </a:rPr>
-              <a:t>using</a:t>
-            </a:r>
-            <a:r>
-              <a:rPr lang="pt-BR" sz="1400" dirty="0">
-                <a:latin typeface="Consolas" panose="020B0609020204030204" pitchFamily="49" charset="0"/>
-              </a:rPr>
-              <a:t> </a:t>
-            </a:r>
-            <a:r>
-              <a:rPr lang="pt-BR" sz="1400" dirty="0" err="1">
-                <a:latin typeface="Consolas" panose="020B0609020204030204" pitchFamily="49" charset="0"/>
-              </a:rPr>
-              <a:t>std</a:t>
-            </a:r>
-            <a:r>
-              <a:rPr lang="pt-BR" sz="1400" dirty="0">
-                <a:latin typeface="Consolas" panose="020B0609020204030204" pitchFamily="49" charset="0"/>
-              </a:rPr>
-              <a:t>::</a:t>
-            </a:r>
-            <a:r>
-              <a:rPr lang="pt-BR" sz="1400" dirty="0" err="1">
-                <a:latin typeface="Consolas" panose="020B0609020204030204" pitchFamily="49" charset="0"/>
-              </a:rPr>
-              <a:t>endl</a:t>
-            </a:r>
-            <a:r>
-              <a:rPr lang="pt-BR" sz="1400" dirty="0">
-                <a:latin typeface="Consolas" panose="020B0609020204030204" pitchFamily="49" charset="0"/>
-              </a:rPr>
-              <a:t>;</a:t>
-            </a:r>
-          </a:p>
-          <a:p>
-            <a:endParaRPr lang="pt-BR" sz="1400" dirty="0">
-              <a:latin typeface="Consolas" panose="020B0609020204030204" pitchFamily="49" charset="0"/>
-            </a:endParaRPr>
-          </a:p>
-          <a:p>
-            <a:r>
-              <a:rPr lang="pt-BR" sz="1400" dirty="0" err="1">
-                <a:solidFill>
-                  <a:schemeClr val="accent3">
-                    <a:lumMod val="75000"/>
-                  </a:schemeClr>
-                </a:solidFill>
-                <a:latin typeface="Consolas" panose="020B0609020204030204" pitchFamily="49" charset="0"/>
-              </a:rPr>
-              <a:t>int</a:t>
-            </a:r>
-            <a:r>
-              <a:rPr lang="pt-BR" sz="1400" dirty="0">
-                <a:latin typeface="Consolas" panose="020B0609020204030204" pitchFamily="49" charset="0"/>
-              </a:rPr>
-              <a:t> </a:t>
-            </a:r>
-            <a:r>
-              <a:rPr lang="pt-BR" sz="1400" dirty="0" err="1">
-                <a:latin typeface="Consolas" panose="020B0609020204030204" pitchFamily="49" charset="0"/>
-              </a:rPr>
-              <a:t>main</a:t>
-            </a:r>
-            <a:r>
-              <a:rPr lang="pt-BR" sz="1400" dirty="0">
-                <a:latin typeface="Consolas" panose="020B0609020204030204" pitchFamily="49" charset="0"/>
-              </a:rPr>
-              <a:t>()</a:t>
-            </a:r>
-          </a:p>
-          <a:p>
-            <a:r>
-              <a:rPr lang="pt-BR" sz="1400" dirty="0">
-                <a:latin typeface="Consolas" panose="020B0609020204030204" pitchFamily="49" charset="0"/>
-              </a:rPr>
-              <a:t>{</a:t>
-            </a:r>
-          </a:p>
-          <a:p>
-            <a:r>
-              <a:rPr lang="pt-BR" sz="1400" dirty="0">
-                <a:latin typeface="Consolas" panose="020B0609020204030204" pitchFamily="49" charset="0"/>
-              </a:rPr>
-              <a:t>    </a:t>
-            </a:r>
-            <a:r>
-              <a:rPr lang="pt-BR" sz="1400" dirty="0">
-                <a:solidFill>
-                  <a:schemeClr val="accent3"/>
-                </a:solidFill>
-                <a:latin typeface="Consolas" panose="020B0609020204030204" pitchFamily="49" charset="0"/>
-              </a:rPr>
-              <a:t>Tempo</a:t>
-            </a:r>
-            <a:r>
-              <a:rPr lang="pt-BR" sz="1400" dirty="0">
-                <a:latin typeface="Consolas" panose="020B0609020204030204" pitchFamily="49" charset="0"/>
-              </a:rPr>
-              <a:t> projetando;</a:t>
-            </a:r>
-          </a:p>
-          <a:p>
-            <a:r>
-              <a:rPr lang="pt-BR" sz="1400" dirty="0">
-                <a:latin typeface="Consolas" panose="020B0609020204030204" pitchFamily="49" charset="0"/>
-              </a:rPr>
-              <a:t>    </a:t>
-            </a:r>
-            <a:r>
-              <a:rPr lang="pt-BR" sz="1400" dirty="0">
-                <a:solidFill>
-                  <a:schemeClr val="accent3"/>
-                </a:solidFill>
-                <a:latin typeface="Consolas" panose="020B0609020204030204" pitchFamily="49" charset="0"/>
-              </a:rPr>
-              <a:t>Tempo</a:t>
-            </a:r>
-            <a:r>
-              <a:rPr lang="pt-BR" sz="1400" dirty="0">
-                <a:latin typeface="Consolas" panose="020B0609020204030204" pitchFamily="49" charset="0"/>
-              </a:rPr>
-              <a:t> codificando { </a:t>
-            </a:r>
-            <a:r>
-              <a:rPr lang="pt-BR" sz="1400" dirty="0">
-                <a:solidFill>
-                  <a:schemeClr val="accent3">
-                    <a:lumMod val="60000"/>
-                    <a:lumOff val="40000"/>
-                  </a:schemeClr>
-                </a:solidFill>
-                <a:latin typeface="Consolas" panose="020B0609020204030204" pitchFamily="49" charset="0"/>
-              </a:rPr>
-              <a:t>2</a:t>
-            </a:r>
-            <a:r>
-              <a:rPr lang="pt-BR" sz="1400" dirty="0">
-                <a:latin typeface="Consolas" panose="020B0609020204030204" pitchFamily="49" charset="0"/>
-              </a:rPr>
-              <a:t>, </a:t>
-            </a:r>
-            <a:r>
-              <a:rPr lang="pt-BR" sz="1400" dirty="0">
-                <a:solidFill>
-                  <a:schemeClr val="accent3">
-                    <a:lumMod val="60000"/>
-                    <a:lumOff val="40000"/>
-                  </a:schemeClr>
-                </a:solidFill>
-                <a:latin typeface="Consolas" panose="020B0609020204030204" pitchFamily="49" charset="0"/>
-              </a:rPr>
-              <a:t>40</a:t>
-            </a:r>
-            <a:r>
-              <a:rPr lang="pt-BR" sz="1400" dirty="0">
-                <a:latin typeface="Consolas" panose="020B0609020204030204" pitchFamily="49" charset="0"/>
-              </a:rPr>
-              <a:t> };</a:t>
-            </a:r>
-          </a:p>
-          <a:p>
-            <a:r>
-              <a:rPr lang="pt-BR" sz="1400" dirty="0">
-                <a:latin typeface="Consolas" panose="020B0609020204030204" pitchFamily="49" charset="0"/>
-              </a:rPr>
-              <a:t>    </a:t>
-            </a:r>
-            <a:r>
-              <a:rPr lang="pt-BR" sz="1400" dirty="0">
-                <a:solidFill>
-                  <a:schemeClr val="accent3"/>
-                </a:solidFill>
-                <a:latin typeface="Consolas" panose="020B0609020204030204" pitchFamily="49" charset="0"/>
-              </a:rPr>
-              <a:t>Tempo</a:t>
-            </a:r>
-            <a:r>
-              <a:rPr lang="pt-BR" sz="1400" dirty="0">
-                <a:latin typeface="Consolas" panose="020B0609020204030204" pitchFamily="49" charset="0"/>
-              </a:rPr>
-              <a:t> corrigindo { </a:t>
-            </a:r>
-            <a:r>
-              <a:rPr lang="pt-BR" sz="1400" dirty="0">
-                <a:solidFill>
-                  <a:schemeClr val="accent3">
-                    <a:lumMod val="60000"/>
-                    <a:lumOff val="40000"/>
-                  </a:schemeClr>
-                </a:solidFill>
-                <a:latin typeface="Consolas" panose="020B0609020204030204" pitchFamily="49" charset="0"/>
-              </a:rPr>
-              <a:t>5</a:t>
-            </a:r>
-            <a:r>
-              <a:rPr lang="pt-BR" sz="1400" dirty="0">
-                <a:latin typeface="Consolas" panose="020B0609020204030204" pitchFamily="49" charset="0"/>
-              </a:rPr>
-              <a:t>, </a:t>
-            </a:r>
-            <a:r>
-              <a:rPr lang="pt-BR" sz="1400" dirty="0">
-                <a:solidFill>
-                  <a:schemeClr val="accent3">
-                    <a:lumMod val="60000"/>
-                    <a:lumOff val="40000"/>
-                  </a:schemeClr>
-                </a:solidFill>
-                <a:latin typeface="Consolas" panose="020B0609020204030204" pitchFamily="49" charset="0"/>
-              </a:rPr>
-              <a:t>55</a:t>
-            </a:r>
-            <a:r>
-              <a:rPr lang="pt-BR" sz="1400" dirty="0">
-                <a:latin typeface="Consolas" panose="020B0609020204030204" pitchFamily="49" charset="0"/>
-              </a:rPr>
-              <a:t> };</a:t>
-            </a:r>
-          </a:p>
-          <a:p>
-            <a:r>
-              <a:rPr lang="pt-BR" sz="1400" dirty="0">
-                <a:latin typeface="Consolas" panose="020B0609020204030204" pitchFamily="49" charset="0"/>
-              </a:rPr>
-              <a:t>    </a:t>
-            </a:r>
-            <a:r>
-              <a:rPr lang="pt-BR" sz="1400" dirty="0">
-                <a:solidFill>
-                  <a:schemeClr val="accent3"/>
-                </a:solidFill>
-                <a:latin typeface="Consolas" panose="020B0609020204030204" pitchFamily="49" charset="0"/>
-              </a:rPr>
-              <a:t>Tempo</a:t>
-            </a:r>
-            <a:r>
-              <a:rPr lang="pt-BR" sz="1400" dirty="0">
-                <a:latin typeface="Consolas" panose="020B0609020204030204" pitchFamily="49" charset="0"/>
-              </a:rPr>
-              <a:t> total;</a:t>
-            </a:r>
-          </a:p>
-          <a:p>
-            <a:endParaRPr lang="pt-BR" sz="1400" dirty="0">
-              <a:latin typeface="Consolas" panose="020B0609020204030204" pitchFamily="49" charset="0"/>
-            </a:endParaRPr>
-          </a:p>
-          <a:p>
-            <a:r>
-              <a:rPr lang="pt-BR" sz="1400" dirty="0">
-                <a:latin typeface="Consolas" panose="020B0609020204030204" pitchFamily="49" charset="0"/>
-              </a:rPr>
-              <a:t>    </a:t>
-            </a:r>
-            <a:r>
-              <a:rPr lang="pt-BR" sz="1400" dirty="0" err="1">
-                <a:latin typeface="Consolas" panose="020B0609020204030204" pitchFamily="49" charset="0"/>
-              </a:rPr>
-              <a:t>cout</a:t>
-            </a:r>
-            <a:r>
-              <a:rPr lang="pt-BR" sz="1400" dirty="0">
-                <a:latin typeface="Consolas" panose="020B0609020204030204" pitchFamily="49" charset="0"/>
-              </a:rPr>
-              <a:t> &lt;&lt; </a:t>
-            </a:r>
-            <a:r>
-              <a:rPr lang="pt-BR" sz="1400" dirty="0">
-                <a:solidFill>
-                  <a:schemeClr val="accent2">
-                    <a:lumMod val="60000"/>
-                    <a:lumOff val="40000"/>
-                  </a:schemeClr>
-                </a:solidFill>
-                <a:latin typeface="Consolas" panose="020B0609020204030204" pitchFamily="49" charset="0"/>
-              </a:rPr>
-              <a:t>"Tempo projetando = "</a:t>
-            </a:r>
-            <a:r>
-              <a:rPr lang="pt-BR" sz="1400" dirty="0">
-                <a:latin typeface="Consolas" panose="020B0609020204030204" pitchFamily="49" charset="0"/>
-              </a:rPr>
-              <a:t>;</a:t>
-            </a:r>
-          </a:p>
-          <a:p>
-            <a:r>
-              <a:rPr lang="pt-BR" sz="1400" dirty="0">
-                <a:latin typeface="Consolas" panose="020B0609020204030204" pitchFamily="49" charset="0"/>
-              </a:rPr>
-              <a:t>    </a:t>
-            </a:r>
-            <a:r>
-              <a:rPr lang="pt-BR" sz="1400" dirty="0" err="1">
-                <a:latin typeface="Consolas" panose="020B0609020204030204" pitchFamily="49" charset="0"/>
-              </a:rPr>
-              <a:t>projetando.</a:t>
-            </a:r>
-            <a:r>
-              <a:rPr lang="pt-BR" sz="1400" dirty="0" err="1">
-                <a:solidFill>
-                  <a:schemeClr val="accent6">
-                    <a:lumMod val="60000"/>
-                    <a:lumOff val="40000"/>
-                  </a:schemeClr>
-                </a:solidFill>
-                <a:latin typeface="Consolas" panose="020B0609020204030204" pitchFamily="49" charset="0"/>
-              </a:rPr>
-              <a:t>Exibir</a:t>
-            </a:r>
-            <a:r>
-              <a:rPr lang="pt-BR" sz="1400" dirty="0">
-                <a:latin typeface="Consolas" panose="020B0609020204030204" pitchFamily="49" charset="0"/>
-              </a:rPr>
-              <a:t>();</a:t>
-            </a:r>
-          </a:p>
-          <a:p>
-            <a:r>
-              <a:rPr lang="pt-BR" sz="1400" dirty="0">
-                <a:latin typeface="Consolas" panose="020B0609020204030204" pitchFamily="49" charset="0"/>
-              </a:rPr>
-              <a:t>    </a:t>
-            </a:r>
-            <a:r>
-              <a:rPr lang="pt-BR" sz="1400" dirty="0" err="1">
-                <a:latin typeface="Consolas" panose="020B0609020204030204" pitchFamily="49" charset="0"/>
-              </a:rPr>
-              <a:t>cout</a:t>
-            </a:r>
-            <a:r>
-              <a:rPr lang="pt-BR" sz="1400" dirty="0">
-                <a:latin typeface="Consolas" panose="020B0609020204030204" pitchFamily="49" charset="0"/>
-              </a:rPr>
-              <a:t> &lt;&lt; </a:t>
-            </a:r>
-            <a:r>
-              <a:rPr lang="pt-BR" sz="1400" dirty="0" err="1">
-                <a:latin typeface="Consolas" panose="020B0609020204030204" pitchFamily="49" charset="0"/>
-              </a:rPr>
-              <a:t>endl</a:t>
-            </a:r>
-            <a:r>
-              <a:rPr lang="pt-BR" sz="1400" dirty="0">
-                <a:latin typeface="Consolas" panose="020B0609020204030204" pitchFamily="49" charset="0"/>
-              </a:rPr>
-              <a:t>;</a:t>
-            </a:r>
-          </a:p>
-          <a:p>
-            <a:endParaRPr lang="pt-BR" sz="1400" dirty="0">
-              <a:latin typeface="Consolas" panose="020B0609020204030204" pitchFamily="49" charset="0"/>
-            </a:endParaRPr>
-          </a:p>
-          <a:p>
-            <a:r>
-              <a:rPr lang="pt-BR" sz="1400" dirty="0">
-                <a:latin typeface="Consolas" panose="020B0609020204030204" pitchFamily="49" charset="0"/>
-              </a:rPr>
-              <a:t>    ...</a:t>
-            </a:r>
-          </a:p>
-        </p:txBody>
-      </p:sp>
-      <p:sp>
-        <p:nvSpPr>
           <p:cNvPr id="2" name="Título 1"/>
           <p:cNvSpPr>
             <a:spLocks noGrp="1"/>
@@ -10550,457 +10009,1019 @@
           </a:p>
         </p:txBody>
       </p:sp>
-      <p:sp>
-        <p:nvSpPr>
-          <p:cNvPr id="12" name="CaixaDeTexto 11">
+      <p:grpSp>
+        <p:nvGrpSpPr>
+          <p:cNvPr id="4" name="Agrupar 3">
             <a:extLst>
               <a:ext uri="{FF2B5EF4-FFF2-40B4-BE49-F238E27FC236}">
-                <a16:creationId xmlns:a16="http://schemas.microsoft.com/office/drawing/2014/main" id="{32BB402C-9C59-A868-7AFF-359C29480FB8}"/>
+                <a16:creationId xmlns:a16="http://schemas.microsoft.com/office/drawing/2014/main" id="{0571C8EA-8D2C-1C0E-D65B-CF36E5DC8C91}"/>
               </a:ext>
             </a:extLst>
           </p:cNvPr>
-          <p:cNvSpPr txBox="1"/>
+          <p:cNvGrpSpPr/>
           <p:nvPr/>
-        </p:nvSpPr>
-        <p:spPr>
+        </p:nvGrpSpPr>
+        <p:grpSpPr>
           <a:xfrm>
-            <a:off x="6232864" y="2069667"/>
-            <a:ext cx="4582774" cy="3754874"/>
+            <a:off x="1508471" y="2069667"/>
+            <a:ext cx="9307167" cy="3754874"/>
+            <a:chOff x="1508471" y="2069667"/>
+            <a:chExt cx="9307167" cy="3754874"/>
           </a:xfrm>
-          <a:prstGeom prst="rect">
-            <a:avLst/>
-          </a:prstGeom>
-          <a:noFill/>
-        </p:spPr>
-        <p:txBody>
-          <a:bodyPr wrap="square">
-            <a:spAutoFit/>
-          </a:bodyPr>
-          <a:lstStyle/>
-          <a:p>
-            <a:r>
-              <a:rPr lang="pt-BR" sz="1400" dirty="0">
-                <a:latin typeface="Consolas" panose="020B0609020204030204" pitchFamily="49" charset="0"/>
-              </a:rPr>
-              <a:t>    ...</a:t>
-            </a:r>
-          </a:p>
-          <a:p>
-            <a:endParaRPr lang="pt-BR" sz="1400" dirty="0">
-              <a:latin typeface="Consolas" panose="020B0609020204030204" pitchFamily="49" charset="0"/>
-            </a:endParaRPr>
-          </a:p>
-          <a:p>
-            <a:r>
-              <a:rPr lang="pt-BR" sz="1400" dirty="0">
-                <a:latin typeface="Consolas" panose="020B0609020204030204" pitchFamily="49" charset="0"/>
-              </a:rPr>
-              <a:t>    </a:t>
-            </a:r>
-            <a:r>
-              <a:rPr lang="pt-BR" sz="1400" dirty="0" err="1">
-                <a:latin typeface="Consolas" panose="020B0609020204030204" pitchFamily="49" charset="0"/>
-              </a:rPr>
-              <a:t>cout</a:t>
-            </a:r>
-            <a:r>
-              <a:rPr lang="pt-BR" sz="1400" dirty="0">
-                <a:latin typeface="Consolas" panose="020B0609020204030204" pitchFamily="49" charset="0"/>
-              </a:rPr>
-              <a:t> &lt;&lt; </a:t>
-            </a:r>
-            <a:r>
-              <a:rPr lang="pt-BR" sz="1400" dirty="0">
-                <a:solidFill>
-                  <a:schemeClr val="accent2">
-                    <a:lumMod val="60000"/>
-                    <a:lumOff val="40000"/>
-                  </a:schemeClr>
-                </a:solidFill>
-                <a:latin typeface="Consolas" panose="020B0609020204030204" pitchFamily="49" charset="0"/>
-              </a:rPr>
-              <a:t>"Tempo codificando = "</a:t>
-            </a:r>
-            <a:r>
-              <a:rPr lang="pt-BR" sz="1400" dirty="0">
-                <a:latin typeface="Consolas" panose="020B0609020204030204" pitchFamily="49" charset="0"/>
-              </a:rPr>
-              <a:t>;</a:t>
-            </a:r>
-          </a:p>
-          <a:p>
-            <a:r>
-              <a:rPr lang="pt-BR" sz="1400" dirty="0">
-                <a:latin typeface="Consolas" panose="020B0609020204030204" pitchFamily="49" charset="0"/>
-              </a:rPr>
-              <a:t>    </a:t>
-            </a:r>
-            <a:r>
-              <a:rPr lang="pt-BR" sz="1400" dirty="0" err="1">
-                <a:latin typeface="Consolas" panose="020B0609020204030204" pitchFamily="49" charset="0"/>
-              </a:rPr>
-              <a:t>codificando.</a:t>
-            </a:r>
-            <a:r>
-              <a:rPr lang="pt-BR" sz="1400" dirty="0" err="1">
-                <a:solidFill>
-                  <a:schemeClr val="accent6">
-                    <a:lumMod val="60000"/>
-                    <a:lumOff val="40000"/>
-                  </a:schemeClr>
-                </a:solidFill>
-                <a:latin typeface="Consolas" panose="020B0609020204030204" pitchFamily="49" charset="0"/>
-              </a:rPr>
-              <a:t>Exibir</a:t>
-            </a:r>
-            <a:r>
-              <a:rPr lang="pt-BR" sz="1400" dirty="0">
-                <a:latin typeface="Consolas" panose="020B0609020204030204" pitchFamily="49" charset="0"/>
-              </a:rPr>
-              <a:t>();</a:t>
-            </a:r>
-          </a:p>
-          <a:p>
-            <a:r>
-              <a:rPr lang="pt-BR" sz="1400" dirty="0">
-                <a:latin typeface="Consolas" panose="020B0609020204030204" pitchFamily="49" charset="0"/>
-              </a:rPr>
-              <a:t>    </a:t>
-            </a:r>
-            <a:r>
-              <a:rPr lang="pt-BR" sz="1400" dirty="0" err="1">
-                <a:latin typeface="Consolas" panose="020B0609020204030204" pitchFamily="49" charset="0"/>
-              </a:rPr>
-              <a:t>cout</a:t>
-            </a:r>
-            <a:r>
-              <a:rPr lang="pt-BR" sz="1400" dirty="0">
-                <a:latin typeface="Consolas" panose="020B0609020204030204" pitchFamily="49" charset="0"/>
-              </a:rPr>
-              <a:t> &lt;&lt; </a:t>
-            </a:r>
-            <a:r>
-              <a:rPr lang="pt-BR" sz="1400" dirty="0" err="1">
-                <a:latin typeface="Consolas" panose="020B0609020204030204" pitchFamily="49" charset="0"/>
-              </a:rPr>
-              <a:t>endl</a:t>
-            </a:r>
-            <a:r>
-              <a:rPr lang="pt-BR" sz="1400" dirty="0">
-                <a:latin typeface="Consolas" panose="020B0609020204030204" pitchFamily="49" charset="0"/>
-              </a:rPr>
-              <a:t>;</a:t>
-            </a:r>
-          </a:p>
-          <a:p>
-            <a:endParaRPr lang="pt-BR" sz="1400" dirty="0">
-              <a:latin typeface="Consolas" panose="020B0609020204030204" pitchFamily="49" charset="0"/>
-            </a:endParaRPr>
-          </a:p>
-          <a:p>
-            <a:r>
-              <a:rPr lang="pt-BR" sz="1400" dirty="0">
-                <a:latin typeface="Consolas" panose="020B0609020204030204" pitchFamily="49" charset="0"/>
-              </a:rPr>
-              <a:t>    </a:t>
-            </a:r>
-            <a:r>
-              <a:rPr lang="pt-BR" sz="1400" dirty="0" err="1">
-                <a:latin typeface="Consolas" panose="020B0609020204030204" pitchFamily="49" charset="0"/>
-              </a:rPr>
-              <a:t>cout</a:t>
-            </a:r>
-            <a:r>
-              <a:rPr lang="pt-BR" sz="1400" dirty="0">
-                <a:latin typeface="Consolas" panose="020B0609020204030204" pitchFamily="49" charset="0"/>
-              </a:rPr>
-              <a:t> &lt;&lt; </a:t>
-            </a:r>
-            <a:r>
-              <a:rPr lang="pt-BR" sz="1400" dirty="0">
-                <a:solidFill>
-                  <a:schemeClr val="accent2">
-                    <a:lumMod val="60000"/>
-                    <a:lumOff val="40000"/>
-                  </a:schemeClr>
-                </a:solidFill>
-                <a:latin typeface="Consolas" panose="020B0609020204030204" pitchFamily="49" charset="0"/>
-              </a:rPr>
-              <a:t>"Tempo corrigindo = "</a:t>
-            </a:r>
-            <a:r>
-              <a:rPr lang="pt-BR" sz="1400" dirty="0">
-                <a:latin typeface="Consolas" panose="020B0609020204030204" pitchFamily="49" charset="0"/>
-              </a:rPr>
-              <a:t>;</a:t>
-            </a:r>
-          </a:p>
-          <a:p>
-            <a:r>
-              <a:rPr lang="pt-BR" sz="1400" dirty="0">
-                <a:latin typeface="Consolas" panose="020B0609020204030204" pitchFamily="49" charset="0"/>
-              </a:rPr>
-              <a:t>    </a:t>
-            </a:r>
-            <a:r>
-              <a:rPr lang="pt-BR" sz="1400" dirty="0" err="1">
-                <a:latin typeface="Consolas" panose="020B0609020204030204" pitchFamily="49" charset="0"/>
-              </a:rPr>
-              <a:t>corrigindo.</a:t>
-            </a:r>
-            <a:r>
-              <a:rPr lang="pt-BR" sz="1400" dirty="0" err="1">
-                <a:solidFill>
-                  <a:schemeClr val="accent6">
-                    <a:lumMod val="60000"/>
-                    <a:lumOff val="40000"/>
-                  </a:schemeClr>
-                </a:solidFill>
-                <a:latin typeface="Consolas" panose="020B0609020204030204" pitchFamily="49" charset="0"/>
-              </a:rPr>
-              <a:t>Exibir</a:t>
-            </a:r>
-            <a:r>
-              <a:rPr lang="pt-BR" sz="1400" dirty="0">
-                <a:latin typeface="Consolas" panose="020B0609020204030204" pitchFamily="49" charset="0"/>
-              </a:rPr>
-              <a:t>();</a:t>
-            </a:r>
-          </a:p>
-          <a:p>
-            <a:r>
-              <a:rPr lang="pt-BR" sz="1400" dirty="0">
-                <a:latin typeface="Consolas" panose="020B0609020204030204" pitchFamily="49" charset="0"/>
-              </a:rPr>
-              <a:t>    </a:t>
-            </a:r>
-            <a:r>
-              <a:rPr lang="pt-BR" sz="1400" dirty="0" err="1">
-                <a:latin typeface="Consolas" panose="020B0609020204030204" pitchFamily="49" charset="0"/>
-              </a:rPr>
-              <a:t>cout</a:t>
-            </a:r>
-            <a:r>
-              <a:rPr lang="pt-BR" sz="1400" dirty="0">
-                <a:latin typeface="Consolas" panose="020B0609020204030204" pitchFamily="49" charset="0"/>
-              </a:rPr>
-              <a:t> &lt;&lt; </a:t>
-            </a:r>
-            <a:r>
-              <a:rPr lang="pt-BR" sz="1400" dirty="0" err="1">
-                <a:latin typeface="Consolas" panose="020B0609020204030204" pitchFamily="49" charset="0"/>
-              </a:rPr>
-              <a:t>endl</a:t>
-            </a:r>
-            <a:r>
-              <a:rPr lang="pt-BR" sz="1400" dirty="0">
-                <a:latin typeface="Consolas" panose="020B0609020204030204" pitchFamily="49" charset="0"/>
-              </a:rPr>
-              <a:t>;</a:t>
-            </a:r>
-          </a:p>
-          <a:p>
-            <a:endParaRPr lang="pt-BR" sz="1400" dirty="0">
-              <a:latin typeface="Consolas" panose="020B0609020204030204" pitchFamily="49" charset="0"/>
-            </a:endParaRPr>
-          </a:p>
-          <a:p>
-            <a:r>
-              <a:rPr lang="pt-BR" sz="1400" dirty="0">
-                <a:latin typeface="Consolas" panose="020B0609020204030204" pitchFamily="49" charset="0"/>
-              </a:rPr>
-              <a:t>    total = </a:t>
-            </a:r>
-            <a:r>
-              <a:rPr lang="pt-BR" sz="1400" dirty="0" err="1">
-                <a:latin typeface="Consolas" panose="020B0609020204030204" pitchFamily="49" charset="0"/>
-              </a:rPr>
-              <a:t>codificando.</a:t>
-            </a:r>
-            <a:r>
-              <a:rPr lang="pt-BR" sz="1400" dirty="0" err="1">
-                <a:solidFill>
-                  <a:schemeClr val="accent6">
-                    <a:lumMod val="60000"/>
-                    <a:lumOff val="40000"/>
-                  </a:schemeClr>
-                </a:solidFill>
-                <a:latin typeface="Consolas" panose="020B0609020204030204" pitchFamily="49" charset="0"/>
-              </a:rPr>
-              <a:t>Somar</a:t>
-            </a:r>
-            <a:r>
-              <a:rPr lang="pt-BR" sz="1400" dirty="0">
-                <a:latin typeface="Consolas" panose="020B0609020204030204" pitchFamily="49" charset="0"/>
-              </a:rPr>
-              <a:t>(corrigindo);</a:t>
-            </a:r>
-          </a:p>
-          <a:p>
-            <a:r>
-              <a:rPr lang="pt-BR" sz="1400" dirty="0">
-                <a:latin typeface="Consolas" panose="020B0609020204030204" pitchFamily="49" charset="0"/>
-              </a:rPr>
-              <a:t>    </a:t>
-            </a:r>
-            <a:r>
-              <a:rPr lang="pt-BR" sz="1400" dirty="0" err="1">
-                <a:latin typeface="Consolas" panose="020B0609020204030204" pitchFamily="49" charset="0"/>
-              </a:rPr>
-              <a:t>cout</a:t>
-            </a:r>
-            <a:r>
-              <a:rPr lang="pt-BR" sz="1400" dirty="0">
-                <a:latin typeface="Consolas" panose="020B0609020204030204" pitchFamily="49" charset="0"/>
-              </a:rPr>
-              <a:t> &lt;&lt; </a:t>
-            </a:r>
-            <a:r>
-              <a:rPr lang="pt-BR" sz="1400" dirty="0">
-                <a:solidFill>
-                  <a:schemeClr val="accent2">
-                    <a:lumMod val="60000"/>
-                    <a:lumOff val="40000"/>
-                  </a:schemeClr>
-                </a:solidFill>
-                <a:latin typeface="Consolas" panose="020B0609020204030204" pitchFamily="49" charset="0"/>
-              </a:rPr>
-              <a:t>"Tempo Total = "</a:t>
-            </a:r>
-            <a:r>
-              <a:rPr lang="pt-BR" sz="1400" dirty="0">
-                <a:latin typeface="Consolas" panose="020B0609020204030204" pitchFamily="49" charset="0"/>
-              </a:rPr>
-              <a:t>;</a:t>
-            </a:r>
-          </a:p>
-          <a:p>
-            <a:r>
-              <a:rPr lang="pt-BR" sz="1400" dirty="0">
-                <a:latin typeface="Consolas" panose="020B0609020204030204" pitchFamily="49" charset="0"/>
-              </a:rPr>
-              <a:t>    </a:t>
-            </a:r>
-            <a:r>
-              <a:rPr lang="pt-BR" sz="1400" dirty="0" err="1">
-                <a:latin typeface="Consolas" panose="020B0609020204030204" pitchFamily="49" charset="0"/>
-              </a:rPr>
-              <a:t>total.</a:t>
-            </a:r>
-            <a:r>
-              <a:rPr lang="pt-BR" sz="1400" dirty="0" err="1">
-                <a:solidFill>
-                  <a:schemeClr val="accent6">
-                    <a:lumMod val="60000"/>
-                    <a:lumOff val="40000"/>
-                  </a:schemeClr>
-                </a:solidFill>
-                <a:latin typeface="Consolas" panose="020B0609020204030204" pitchFamily="49" charset="0"/>
-              </a:rPr>
-              <a:t>Exibir</a:t>
-            </a:r>
-            <a:r>
-              <a:rPr lang="pt-BR" sz="1400" dirty="0">
-                <a:latin typeface="Consolas" panose="020B0609020204030204" pitchFamily="49" charset="0"/>
-              </a:rPr>
-              <a:t>();</a:t>
-            </a:r>
-          </a:p>
-          <a:p>
-            <a:r>
-              <a:rPr lang="pt-BR" sz="1400" dirty="0">
-                <a:latin typeface="Consolas" panose="020B0609020204030204" pitchFamily="49" charset="0"/>
-              </a:rPr>
-              <a:t>    </a:t>
-            </a:r>
-            <a:r>
-              <a:rPr lang="pt-BR" sz="1400" dirty="0" err="1">
-                <a:latin typeface="Consolas" panose="020B0609020204030204" pitchFamily="49" charset="0"/>
-              </a:rPr>
-              <a:t>cout</a:t>
-            </a:r>
-            <a:r>
-              <a:rPr lang="pt-BR" sz="1400" dirty="0">
-                <a:latin typeface="Consolas" panose="020B0609020204030204" pitchFamily="49" charset="0"/>
-              </a:rPr>
-              <a:t> &lt;&lt; </a:t>
-            </a:r>
-            <a:r>
-              <a:rPr lang="pt-BR" sz="1400" dirty="0" err="1">
-                <a:latin typeface="Consolas" panose="020B0609020204030204" pitchFamily="49" charset="0"/>
-              </a:rPr>
-              <a:t>endl</a:t>
-            </a:r>
-            <a:r>
-              <a:rPr lang="pt-BR" sz="1400" dirty="0">
-                <a:latin typeface="Consolas" panose="020B0609020204030204" pitchFamily="49" charset="0"/>
-              </a:rPr>
-              <a:t>;</a:t>
-            </a:r>
-          </a:p>
-          <a:p>
-            <a:endParaRPr lang="pt-BR" sz="1400" dirty="0">
-              <a:latin typeface="Consolas" panose="020B0609020204030204" pitchFamily="49" charset="0"/>
-            </a:endParaRPr>
-          </a:p>
-          <a:p>
-            <a:r>
-              <a:rPr lang="pt-BR" sz="1400" dirty="0">
-                <a:solidFill>
-                  <a:schemeClr val="accent3">
-                    <a:lumMod val="75000"/>
-                  </a:schemeClr>
-                </a:solidFill>
-                <a:latin typeface="Consolas" panose="020B0609020204030204" pitchFamily="49" charset="0"/>
-              </a:rPr>
-              <a:t>    </a:t>
-            </a:r>
-            <a:r>
-              <a:rPr lang="pt-BR" sz="1400" dirty="0" err="1">
-                <a:solidFill>
-                  <a:schemeClr val="accent3">
-                    <a:lumMod val="75000"/>
-                  </a:schemeClr>
-                </a:solidFill>
-                <a:latin typeface="Consolas" panose="020B0609020204030204" pitchFamily="49" charset="0"/>
-              </a:rPr>
-              <a:t>return</a:t>
-            </a:r>
-            <a:r>
-              <a:rPr lang="pt-BR" sz="1400" dirty="0">
-                <a:latin typeface="Consolas" panose="020B0609020204030204" pitchFamily="49" charset="0"/>
-              </a:rPr>
-              <a:t> </a:t>
-            </a:r>
-            <a:r>
-              <a:rPr lang="pt-BR" sz="1400" dirty="0">
-                <a:solidFill>
-                  <a:schemeClr val="accent3">
-                    <a:lumMod val="60000"/>
-                    <a:lumOff val="40000"/>
-                  </a:schemeClr>
-                </a:solidFill>
-                <a:latin typeface="Consolas" panose="020B0609020204030204" pitchFamily="49" charset="0"/>
-              </a:rPr>
-              <a:t>0</a:t>
-            </a:r>
-            <a:r>
-              <a:rPr lang="pt-BR" sz="1400" dirty="0">
-                <a:latin typeface="Consolas" panose="020B0609020204030204" pitchFamily="49" charset="0"/>
-              </a:rPr>
-              <a:t>;</a:t>
-            </a:r>
-          </a:p>
-          <a:p>
-            <a:r>
-              <a:rPr lang="pt-BR" sz="1400" dirty="0">
-                <a:latin typeface="Consolas" panose="020B0609020204030204" pitchFamily="49" charset="0"/>
-              </a:rPr>
-              <a:t>}</a:t>
-            </a:r>
-          </a:p>
-        </p:txBody>
-      </p:sp>
+        </p:grpSpPr>
+        <p:sp>
+          <p:nvSpPr>
+            <p:cNvPr id="7" name="CaixaDeTexto 6">
+              <a:extLst>
+                <a:ext uri="{FF2B5EF4-FFF2-40B4-BE49-F238E27FC236}">
+                  <a16:creationId xmlns:a16="http://schemas.microsoft.com/office/drawing/2014/main" id="{09D5323C-C7A5-14A0-CFE9-8730536BAC46}"/>
+                </a:ext>
+              </a:extLst>
+            </p:cNvPr>
+            <p:cNvSpPr txBox="1"/>
+            <p:nvPr/>
+          </p:nvSpPr>
+          <p:spPr>
+            <a:xfrm>
+              <a:off x="1508471" y="2069667"/>
+              <a:ext cx="4582774" cy="3754874"/>
+            </a:xfrm>
+            <a:prstGeom prst="rect">
+              <a:avLst/>
+            </a:prstGeom>
+            <a:noFill/>
+          </p:spPr>
+          <p:txBody>
+            <a:bodyPr wrap="square">
+              <a:spAutoFit/>
+            </a:bodyPr>
+            <a:lstStyle/>
+            <a:p>
+              <a:r>
+                <a:rPr lang="pt-BR" sz="1400" dirty="0">
+                  <a:solidFill>
+                    <a:schemeClr val="accent3">
+                      <a:lumMod val="75000"/>
+                    </a:schemeClr>
+                  </a:solidFill>
+                  <a:latin typeface="Consolas" panose="020B0609020204030204" pitchFamily="49" charset="0"/>
+                </a:rPr>
+                <a:t>#include </a:t>
+              </a:r>
+              <a:r>
+                <a:rPr lang="pt-BR" sz="1400" dirty="0">
+                  <a:solidFill>
+                    <a:schemeClr val="accent2">
+                      <a:lumMod val="60000"/>
+                      <a:lumOff val="40000"/>
+                    </a:schemeClr>
+                  </a:solidFill>
+                  <a:latin typeface="Consolas" panose="020B0609020204030204" pitchFamily="49" charset="0"/>
+                </a:rPr>
+                <a:t>&lt;</a:t>
+              </a:r>
+              <a:r>
+                <a:rPr lang="pt-BR" sz="1400" dirty="0" err="1">
+                  <a:solidFill>
+                    <a:schemeClr val="accent2">
+                      <a:lumMod val="60000"/>
+                      <a:lumOff val="40000"/>
+                    </a:schemeClr>
+                  </a:solidFill>
+                  <a:latin typeface="Consolas" panose="020B0609020204030204" pitchFamily="49" charset="0"/>
+                </a:rPr>
+                <a:t>iostream</a:t>
+              </a:r>
+              <a:r>
+                <a:rPr lang="pt-BR" sz="1400" dirty="0">
+                  <a:solidFill>
+                    <a:schemeClr val="accent2">
+                      <a:lumMod val="60000"/>
+                      <a:lumOff val="40000"/>
+                    </a:schemeClr>
+                  </a:solidFill>
+                  <a:latin typeface="Consolas" panose="020B0609020204030204" pitchFamily="49" charset="0"/>
+                </a:rPr>
+                <a:t>&gt;</a:t>
+              </a:r>
+            </a:p>
+            <a:p>
+              <a:r>
+                <a:rPr lang="pt-BR" sz="1400" dirty="0">
+                  <a:solidFill>
+                    <a:schemeClr val="accent3">
+                      <a:lumMod val="75000"/>
+                    </a:schemeClr>
+                  </a:solidFill>
+                  <a:latin typeface="Consolas" panose="020B0609020204030204" pitchFamily="49" charset="0"/>
+                </a:rPr>
+                <a:t>#include </a:t>
+              </a:r>
+              <a:r>
+                <a:rPr lang="pt-BR" sz="1400" dirty="0">
+                  <a:solidFill>
+                    <a:schemeClr val="accent2">
+                      <a:lumMod val="60000"/>
+                      <a:lumOff val="40000"/>
+                    </a:schemeClr>
+                  </a:solidFill>
+                  <a:latin typeface="Consolas" panose="020B0609020204030204" pitchFamily="49" charset="0"/>
+                </a:rPr>
+                <a:t>"</a:t>
+              </a:r>
+              <a:r>
+                <a:rPr lang="pt-BR" sz="1400" dirty="0" err="1">
+                  <a:solidFill>
+                    <a:schemeClr val="accent2">
+                      <a:lumMod val="60000"/>
+                      <a:lumOff val="40000"/>
+                    </a:schemeClr>
+                  </a:solidFill>
+                  <a:latin typeface="Consolas" panose="020B0609020204030204" pitchFamily="49" charset="0"/>
+                </a:rPr>
+                <a:t>Tempo.h</a:t>
+              </a:r>
+              <a:r>
+                <a:rPr lang="pt-BR" sz="1400" dirty="0">
+                  <a:solidFill>
+                    <a:schemeClr val="accent2">
+                      <a:lumMod val="60000"/>
+                      <a:lumOff val="40000"/>
+                    </a:schemeClr>
+                  </a:solidFill>
+                  <a:latin typeface="Consolas" panose="020B0609020204030204" pitchFamily="49" charset="0"/>
+                </a:rPr>
+                <a:t>"</a:t>
+              </a:r>
+            </a:p>
+            <a:p>
+              <a:r>
+                <a:rPr lang="pt-BR" sz="1400" dirty="0" err="1">
+                  <a:solidFill>
+                    <a:schemeClr val="accent3">
+                      <a:lumMod val="75000"/>
+                    </a:schemeClr>
+                  </a:solidFill>
+                  <a:latin typeface="Consolas" panose="020B0609020204030204" pitchFamily="49" charset="0"/>
+                </a:rPr>
+                <a:t>using</a:t>
+              </a:r>
+              <a:r>
+                <a:rPr lang="pt-BR" sz="1400" dirty="0">
+                  <a:latin typeface="Consolas" panose="020B0609020204030204" pitchFamily="49" charset="0"/>
+                </a:rPr>
+                <a:t> </a:t>
+              </a:r>
+              <a:r>
+                <a:rPr lang="pt-BR" sz="1400" dirty="0" err="1">
+                  <a:latin typeface="Consolas" panose="020B0609020204030204" pitchFamily="49" charset="0"/>
+                </a:rPr>
+                <a:t>std</a:t>
+              </a:r>
+              <a:r>
+                <a:rPr lang="pt-BR" sz="1400" dirty="0">
+                  <a:latin typeface="Consolas" panose="020B0609020204030204" pitchFamily="49" charset="0"/>
+                </a:rPr>
+                <a:t>::</a:t>
+              </a:r>
+              <a:r>
+                <a:rPr lang="pt-BR" sz="1400" dirty="0" err="1">
+                  <a:latin typeface="Consolas" panose="020B0609020204030204" pitchFamily="49" charset="0"/>
+                </a:rPr>
+                <a:t>cout</a:t>
+              </a:r>
+              <a:r>
+                <a:rPr lang="pt-BR" sz="1400" dirty="0">
+                  <a:latin typeface="Consolas" panose="020B0609020204030204" pitchFamily="49" charset="0"/>
+                </a:rPr>
+                <a:t>;</a:t>
+              </a:r>
+            </a:p>
+            <a:p>
+              <a:r>
+                <a:rPr lang="pt-BR" sz="1400" dirty="0" err="1">
+                  <a:solidFill>
+                    <a:schemeClr val="accent3">
+                      <a:lumMod val="75000"/>
+                    </a:schemeClr>
+                  </a:solidFill>
+                  <a:latin typeface="Consolas" panose="020B0609020204030204" pitchFamily="49" charset="0"/>
+                </a:rPr>
+                <a:t>using</a:t>
+              </a:r>
+              <a:r>
+                <a:rPr lang="pt-BR" sz="1400" dirty="0">
+                  <a:latin typeface="Consolas" panose="020B0609020204030204" pitchFamily="49" charset="0"/>
+                </a:rPr>
+                <a:t> </a:t>
+              </a:r>
+              <a:r>
+                <a:rPr lang="pt-BR" sz="1400" dirty="0" err="1">
+                  <a:latin typeface="Consolas" panose="020B0609020204030204" pitchFamily="49" charset="0"/>
+                </a:rPr>
+                <a:t>std</a:t>
+              </a:r>
+              <a:r>
+                <a:rPr lang="pt-BR" sz="1400" dirty="0">
+                  <a:latin typeface="Consolas" panose="020B0609020204030204" pitchFamily="49" charset="0"/>
+                </a:rPr>
+                <a:t>::</a:t>
+              </a:r>
+              <a:r>
+                <a:rPr lang="pt-BR" sz="1400" dirty="0" err="1">
+                  <a:latin typeface="Consolas" panose="020B0609020204030204" pitchFamily="49" charset="0"/>
+                </a:rPr>
+                <a:t>endl</a:t>
+              </a:r>
+              <a:r>
+                <a:rPr lang="pt-BR" sz="1400" dirty="0">
+                  <a:latin typeface="Consolas" panose="020B0609020204030204" pitchFamily="49" charset="0"/>
+                </a:rPr>
+                <a:t>;</a:t>
+              </a:r>
+            </a:p>
+            <a:p>
+              <a:endParaRPr lang="pt-BR" sz="1400" dirty="0">
+                <a:latin typeface="Consolas" panose="020B0609020204030204" pitchFamily="49" charset="0"/>
+              </a:endParaRPr>
+            </a:p>
+            <a:p>
+              <a:r>
+                <a:rPr lang="pt-BR" sz="1400" dirty="0" err="1">
+                  <a:solidFill>
+                    <a:schemeClr val="accent3">
+                      <a:lumMod val="75000"/>
+                    </a:schemeClr>
+                  </a:solidFill>
+                  <a:latin typeface="Consolas" panose="020B0609020204030204" pitchFamily="49" charset="0"/>
+                </a:rPr>
+                <a:t>int</a:t>
+              </a:r>
+              <a:r>
+                <a:rPr lang="pt-BR" sz="1400" dirty="0">
+                  <a:latin typeface="Consolas" panose="020B0609020204030204" pitchFamily="49" charset="0"/>
+                </a:rPr>
+                <a:t> </a:t>
+              </a:r>
+              <a:r>
+                <a:rPr lang="pt-BR" sz="1400" dirty="0" err="1">
+                  <a:latin typeface="Consolas" panose="020B0609020204030204" pitchFamily="49" charset="0"/>
+                </a:rPr>
+                <a:t>main</a:t>
+              </a:r>
+              <a:r>
+                <a:rPr lang="pt-BR" sz="1400" dirty="0">
+                  <a:latin typeface="Consolas" panose="020B0609020204030204" pitchFamily="49" charset="0"/>
+                </a:rPr>
+                <a:t>()</a:t>
+              </a:r>
+            </a:p>
+            <a:p>
+              <a:r>
+                <a:rPr lang="pt-BR" sz="1400" dirty="0">
+                  <a:latin typeface="Consolas" panose="020B0609020204030204" pitchFamily="49" charset="0"/>
+                </a:rPr>
+                <a:t>{</a:t>
+              </a:r>
+            </a:p>
+            <a:p>
+              <a:r>
+                <a:rPr lang="pt-BR" sz="1400" dirty="0">
+                  <a:latin typeface="Consolas" panose="020B0609020204030204" pitchFamily="49" charset="0"/>
+                </a:rPr>
+                <a:t>    </a:t>
+              </a:r>
+              <a:r>
+                <a:rPr lang="pt-BR" sz="1400" dirty="0">
+                  <a:solidFill>
+                    <a:schemeClr val="accent3"/>
+                  </a:solidFill>
+                  <a:latin typeface="Consolas" panose="020B0609020204030204" pitchFamily="49" charset="0"/>
+                </a:rPr>
+                <a:t>Tempo</a:t>
+              </a:r>
+              <a:r>
+                <a:rPr lang="pt-BR" sz="1400" dirty="0">
+                  <a:latin typeface="Consolas" panose="020B0609020204030204" pitchFamily="49" charset="0"/>
+                </a:rPr>
+                <a:t> projetando;</a:t>
+              </a:r>
+            </a:p>
+            <a:p>
+              <a:r>
+                <a:rPr lang="pt-BR" sz="1400" dirty="0">
+                  <a:latin typeface="Consolas" panose="020B0609020204030204" pitchFamily="49" charset="0"/>
+                </a:rPr>
+                <a:t>    </a:t>
+              </a:r>
+              <a:r>
+                <a:rPr lang="pt-BR" sz="1400" dirty="0">
+                  <a:solidFill>
+                    <a:schemeClr val="accent3"/>
+                  </a:solidFill>
+                  <a:latin typeface="Consolas" panose="020B0609020204030204" pitchFamily="49" charset="0"/>
+                </a:rPr>
+                <a:t>Tempo</a:t>
+              </a:r>
+              <a:r>
+                <a:rPr lang="pt-BR" sz="1400" dirty="0">
+                  <a:latin typeface="Consolas" panose="020B0609020204030204" pitchFamily="49" charset="0"/>
+                </a:rPr>
+                <a:t> codificando { </a:t>
+              </a:r>
+              <a:r>
+                <a:rPr lang="pt-BR" sz="1400" dirty="0">
+                  <a:solidFill>
+                    <a:schemeClr val="accent3">
+                      <a:lumMod val="60000"/>
+                      <a:lumOff val="40000"/>
+                    </a:schemeClr>
+                  </a:solidFill>
+                  <a:latin typeface="Consolas" panose="020B0609020204030204" pitchFamily="49" charset="0"/>
+                </a:rPr>
+                <a:t>2</a:t>
+              </a:r>
+              <a:r>
+                <a:rPr lang="pt-BR" sz="1400" dirty="0">
+                  <a:latin typeface="Consolas" panose="020B0609020204030204" pitchFamily="49" charset="0"/>
+                </a:rPr>
+                <a:t>, </a:t>
+              </a:r>
+              <a:r>
+                <a:rPr lang="pt-BR" sz="1400" dirty="0">
+                  <a:solidFill>
+                    <a:schemeClr val="accent3">
+                      <a:lumMod val="60000"/>
+                      <a:lumOff val="40000"/>
+                    </a:schemeClr>
+                  </a:solidFill>
+                  <a:latin typeface="Consolas" panose="020B0609020204030204" pitchFamily="49" charset="0"/>
+                </a:rPr>
+                <a:t>40</a:t>
+              </a:r>
+              <a:r>
+                <a:rPr lang="pt-BR" sz="1400" dirty="0">
+                  <a:latin typeface="Consolas" panose="020B0609020204030204" pitchFamily="49" charset="0"/>
+                </a:rPr>
+                <a:t> };</a:t>
+              </a:r>
+            </a:p>
+            <a:p>
+              <a:r>
+                <a:rPr lang="pt-BR" sz="1400" dirty="0">
+                  <a:latin typeface="Consolas" panose="020B0609020204030204" pitchFamily="49" charset="0"/>
+                </a:rPr>
+                <a:t>    </a:t>
+              </a:r>
+              <a:r>
+                <a:rPr lang="pt-BR" sz="1400" dirty="0">
+                  <a:solidFill>
+                    <a:schemeClr val="accent3"/>
+                  </a:solidFill>
+                  <a:latin typeface="Consolas" panose="020B0609020204030204" pitchFamily="49" charset="0"/>
+                </a:rPr>
+                <a:t>Tempo</a:t>
+              </a:r>
+              <a:r>
+                <a:rPr lang="pt-BR" sz="1400" dirty="0">
+                  <a:latin typeface="Consolas" panose="020B0609020204030204" pitchFamily="49" charset="0"/>
+                </a:rPr>
+                <a:t> corrigindo { </a:t>
+              </a:r>
+              <a:r>
+                <a:rPr lang="pt-BR" sz="1400" dirty="0">
+                  <a:solidFill>
+                    <a:schemeClr val="accent3">
+                      <a:lumMod val="60000"/>
+                      <a:lumOff val="40000"/>
+                    </a:schemeClr>
+                  </a:solidFill>
+                  <a:latin typeface="Consolas" panose="020B0609020204030204" pitchFamily="49" charset="0"/>
+                </a:rPr>
+                <a:t>5</a:t>
+              </a:r>
+              <a:r>
+                <a:rPr lang="pt-BR" sz="1400" dirty="0">
+                  <a:latin typeface="Consolas" panose="020B0609020204030204" pitchFamily="49" charset="0"/>
+                </a:rPr>
+                <a:t>, </a:t>
+              </a:r>
+              <a:r>
+                <a:rPr lang="pt-BR" sz="1400" dirty="0">
+                  <a:solidFill>
+                    <a:schemeClr val="accent3">
+                      <a:lumMod val="60000"/>
+                      <a:lumOff val="40000"/>
+                    </a:schemeClr>
+                  </a:solidFill>
+                  <a:latin typeface="Consolas" panose="020B0609020204030204" pitchFamily="49" charset="0"/>
+                </a:rPr>
+                <a:t>55</a:t>
+              </a:r>
+              <a:r>
+                <a:rPr lang="pt-BR" sz="1400" dirty="0">
+                  <a:latin typeface="Consolas" panose="020B0609020204030204" pitchFamily="49" charset="0"/>
+                </a:rPr>
+                <a:t> };</a:t>
+              </a:r>
+            </a:p>
+            <a:p>
+              <a:r>
+                <a:rPr lang="pt-BR" sz="1400" dirty="0">
+                  <a:latin typeface="Consolas" panose="020B0609020204030204" pitchFamily="49" charset="0"/>
+                </a:rPr>
+                <a:t>    </a:t>
+              </a:r>
+              <a:r>
+                <a:rPr lang="pt-BR" sz="1400" dirty="0">
+                  <a:solidFill>
+                    <a:schemeClr val="accent3"/>
+                  </a:solidFill>
+                  <a:latin typeface="Consolas" panose="020B0609020204030204" pitchFamily="49" charset="0"/>
+                </a:rPr>
+                <a:t>Tempo</a:t>
+              </a:r>
+              <a:r>
+                <a:rPr lang="pt-BR" sz="1400" dirty="0">
+                  <a:latin typeface="Consolas" panose="020B0609020204030204" pitchFamily="49" charset="0"/>
+                </a:rPr>
+                <a:t> total;</a:t>
+              </a:r>
+            </a:p>
+            <a:p>
+              <a:endParaRPr lang="pt-BR" sz="1400" dirty="0">
+                <a:latin typeface="Consolas" panose="020B0609020204030204" pitchFamily="49" charset="0"/>
+              </a:endParaRPr>
+            </a:p>
+            <a:p>
+              <a:r>
+                <a:rPr lang="pt-BR" sz="1400" dirty="0">
+                  <a:latin typeface="Consolas" panose="020B0609020204030204" pitchFamily="49" charset="0"/>
+                </a:rPr>
+                <a:t>    </a:t>
+              </a:r>
+              <a:r>
+                <a:rPr lang="pt-BR" sz="1400" dirty="0" err="1">
+                  <a:latin typeface="Consolas" panose="020B0609020204030204" pitchFamily="49" charset="0"/>
+                </a:rPr>
+                <a:t>cout</a:t>
+              </a:r>
+              <a:r>
+                <a:rPr lang="pt-BR" sz="1400" dirty="0">
+                  <a:latin typeface="Consolas" panose="020B0609020204030204" pitchFamily="49" charset="0"/>
+                </a:rPr>
+                <a:t> &lt;&lt; </a:t>
+              </a:r>
+              <a:r>
+                <a:rPr lang="pt-BR" sz="1400" dirty="0">
+                  <a:solidFill>
+                    <a:schemeClr val="accent2">
+                      <a:lumMod val="60000"/>
+                      <a:lumOff val="40000"/>
+                    </a:schemeClr>
+                  </a:solidFill>
+                  <a:latin typeface="Consolas" panose="020B0609020204030204" pitchFamily="49" charset="0"/>
+                </a:rPr>
+                <a:t>"Tempo projetando = "</a:t>
+              </a:r>
+              <a:r>
+                <a:rPr lang="pt-BR" sz="1400" dirty="0">
+                  <a:latin typeface="Consolas" panose="020B0609020204030204" pitchFamily="49" charset="0"/>
+                </a:rPr>
+                <a:t>;</a:t>
+              </a:r>
+            </a:p>
+            <a:p>
+              <a:r>
+                <a:rPr lang="pt-BR" sz="1400" dirty="0">
+                  <a:latin typeface="Consolas" panose="020B0609020204030204" pitchFamily="49" charset="0"/>
+                </a:rPr>
+                <a:t>    </a:t>
+              </a:r>
+              <a:r>
+                <a:rPr lang="pt-BR" sz="1400" dirty="0" err="1">
+                  <a:latin typeface="Consolas" panose="020B0609020204030204" pitchFamily="49" charset="0"/>
+                </a:rPr>
+                <a:t>projetando.</a:t>
+              </a:r>
+              <a:r>
+                <a:rPr lang="pt-BR" sz="1400" dirty="0" err="1">
+                  <a:solidFill>
+                    <a:schemeClr val="accent6">
+                      <a:lumMod val="60000"/>
+                      <a:lumOff val="40000"/>
+                    </a:schemeClr>
+                  </a:solidFill>
+                  <a:latin typeface="Consolas" panose="020B0609020204030204" pitchFamily="49" charset="0"/>
+                </a:rPr>
+                <a:t>Exibir</a:t>
+              </a:r>
+              <a:r>
+                <a:rPr lang="pt-BR" sz="1400" dirty="0">
+                  <a:latin typeface="Consolas" panose="020B0609020204030204" pitchFamily="49" charset="0"/>
+                </a:rPr>
+                <a:t>();</a:t>
+              </a:r>
+            </a:p>
+            <a:p>
+              <a:r>
+                <a:rPr lang="pt-BR" sz="1400" dirty="0">
+                  <a:latin typeface="Consolas" panose="020B0609020204030204" pitchFamily="49" charset="0"/>
+                </a:rPr>
+                <a:t>    </a:t>
+              </a:r>
+              <a:r>
+                <a:rPr lang="pt-BR" sz="1400" dirty="0" err="1">
+                  <a:latin typeface="Consolas" panose="020B0609020204030204" pitchFamily="49" charset="0"/>
+                </a:rPr>
+                <a:t>cout</a:t>
+              </a:r>
+              <a:r>
+                <a:rPr lang="pt-BR" sz="1400" dirty="0">
+                  <a:latin typeface="Consolas" panose="020B0609020204030204" pitchFamily="49" charset="0"/>
+                </a:rPr>
+                <a:t> &lt;&lt; </a:t>
+              </a:r>
+              <a:r>
+                <a:rPr lang="pt-BR" sz="1400" dirty="0" err="1">
+                  <a:latin typeface="Consolas" panose="020B0609020204030204" pitchFamily="49" charset="0"/>
+                </a:rPr>
+                <a:t>endl</a:t>
+              </a:r>
+              <a:r>
+                <a:rPr lang="pt-BR" sz="1400" dirty="0">
+                  <a:latin typeface="Consolas" panose="020B0609020204030204" pitchFamily="49" charset="0"/>
+                </a:rPr>
+                <a:t>;</a:t>
+              </a:r>
+            </a:p>
+            <a:p>
+              <a:endParaRPr lang="pt-BR" sz="1400" dirty="0">
+                <a:latin typeface="Consolas" panose="020B0609020204030204" pitchFamily="49" charset="0"/>
+              </a:endParaRPr>
+            </a:p>
+            <a:p>
+              <a:r>
+                <a:rPr lang="pt-BR" sz="1400" dirty="0">
+                  <a:latin typeface="Consolas" panose="020B0609020204030204" pitchFamily="49" charset="0"/>
+                </a:rPr>
+                <a:t>    ...</a:t>
+              </a:r>
+            </a:p>
+          </p:txBody>
+        </p:sp>
+        <p:sp>
+          <p:nvSpPr>
+            <p:cNvPr id="12" name="CaixaDeTexto 11">
+              <a:extLst>
+                <a:ext uri="{FF2B5EF4-FFF2-40B4-BE49-F238E27FC236}">
+                  <a16:creationId xmlns:a16="http://schemas.microsoft.com/office/drawing/2014/main" id="{32BB402C-9C59-A868-7AFF-359C29480FB8}"/>
+                </a:ext>
+              </a:extLst>
+            </p:cNvPr>
+            <p:cNvSpPr txBox="1"/>
+            <p:nvPr/>
+          </p:nvSpPr>
+          <p:spPr>
+            <a:xfrm>
+              <a:off x="6232864" y="2069667"/>
+              <a:ext cx="4582774" cy="3754874"/>
+            </a:xfrm>
+            <a:prstGeom prst="rect">
+              <a:avLst/>
+            </a:prstGeom>
+            <a:noFill/>
+          </p:spPr>
+          <p:txBody>
+            <a:bodyPr wrap="square">
+              <a:spAutoFit/>
+            </a:bodyPr>
+            <a:lstStyle/>
+            <a:p>
+              <a:r>
+                <a:rPr lang="pt-BR" sz="1400" dirty="0">
+                  <a:latin typeface="Consolas" panose="020B0609020204030204" pitchFamily="49" charset="0"/>
+                </a:rPr>
+                <a:t>    ...</a:t>
+              </a:r>
+            </a:p>
+            <a:p>
+              <a:endParaRPr lang="pt-BR" sz="1400" dirty="0">
+                <a:latin typeface="Consolas" panose="020B0609020204030204" pitchFamily="49" charset="0"/>
+              </a:endParaRPr>
+            </a:p>
+            <a:p>
+              <a:r>
+                <a:rPr lang="pt-BR" sz="1400" dirty="0">
+                  <a:latin typeface="Consolas" panose="020B0609020204030204" pitchFamily="49" charset="0"/>
+                </a:rPr>
+                <a:t>    </a:t>
+              </a:r>
+              <a:r>
+                <a:rPr lang="pt-BR" sz="1400" dirty="0" err="1">
+                  <a:latin typeface="Consolas" panose="020B0609020204030204" pitchFamily="49" charset="0"/>
+                </a:rPr>
+                <a:t>cout</a:t>
+              </a:r>
+              <a:r>
+                <a:rPr lang="pt-BR" sz="1400" dirty="0">
+                  <a:latin typeface="Consolas" panose="020B0609020204030204" pitchFamily="49" charset="0"/>
+                </a:rPr>
+                <a:t> &lt;&lt; </a:t>
+              </a:r>
+              <a:r>
+                <a:rPr lang="pt-BR" sz="1400" dirty="0">
+                  <a:solidFill>
+                    <a:schemeClr val="accent2">
+                      <a:lumMod val="60000"/>
+                      <a:lumOff val="40000"/>
+                    </a:schemeClr>
+                  </a:solidFill>
+                  <a:latin typeface="Consolas" panose="020B0609020204030204" pitchFamily="49" charset="0"/>
+                </a:rPr>
+                <a:t>"Tempo codificando = "</a:t>
+              </a:r>
+              <a:r>
+                <a:rPr lang="pt-BR" sz="1400" dirty="0">
+                  <a:latin typeface="Consolas" panose="020B0609020204030204" pitchFamily="49" charset="0"/>
+                </a:rPr>
+                <a:t>;</a:t>
+              </a:r>
+            </a:p>
+            <a:p>
+              <a:r>
+                <a:rPr lang="pt-BR" sz="1400" dirty="0">
+                  <a:latin typeface="Consolas" panose="020B0609020204030204" pitchFamily="49" charset="0"/>
+                </a:rPr>
+                <a:t>    </a:t>
+              </a:r>
+              <a:r>
+                <a:rPr lang="pt-BR" sz="1400" dirty="0" err="1">
+                  <a:latin typeface="Consolas" panose="020B0609020204030204" pitchFamily="49" charset="0"/>
+                </a:rPr>
+                <a:t>codificando.</a:t>
+              </a:r>
+              <a:r>
+                <a:rPr lang="pt-BR" sz="1400" dirty="0" err="1">
+                  <a:solidFill>
+                    <a:schemeClr val="accent6">
+                      <a:lumMod val="60000"/>
+                      <a:lumOff val="40000"/>
+                    </a:schemeClr>
+                  </a:solidFill>
+                  <a:latin typeface="Consolas" panose="020B0609020204030204" pitchFamily="49" charset="0"/>
+                </a:rPr>
+                <a:t>Exibir</a:t>
+              </a:r>
+              <a:r>
+                <a:rPr lang="pt-BR" sz="1400" dirty="0">
+                  <a:latin typeface="Consolas" panose="020B0609020204030204" pitchFamily="49" charset="0"/>
+                </a:rPr>
+                <a:t>();</a:t>
+              </a:r>
+            </a:p>
+            <a:p>
+              <a:r>
+                <a:rPr lang="pt-BR" sz="1400" dirty="0">
+                  <a:latin typeface="Consolas" panose="020B0609020204030204" pitchFamily="49" charset="0"/>
+                </a:rPr>
+                <a:t>    </a:t>
+              </a:r>
+              <a:r>
+                <a:rPr lang="pt-BR" sz="1400" dirty="0" err="1">
+                  <a:latin typeface="Consolas" panose="020B0609020204030204" pitchFamily="49" charset="0"/>
+                </a:rPr>
+                <a:t>cout</a:t>
+              </a:r>
+              <a:r>
+                <a:rPr lang="pt-BR" sz="1400" dirty="0">
+                  <a:latin typeface="Consolas" panose="020B0609020204030204" pitchFamily="49" charset="0"/>
+                </a:rPr>
+                <a:t> &lt;&lt; </a:t>
+              </a:r>
+              <a:r>
+                <a:rPr lang="pt-BR" sz="1400" dirty="0" err="1">
+                  <a:latin typeface="Consolas" panose="020B0609020204030204" pitchFamily="49" charset="0"/>
+                </a:rPr>
+                <a:t>endl</a:t>
+              </a:r>
+              <a:r>
+                <a:rPr lang="pt-BR" sz="1400" dirty="0">
+                  <a:latin typeface="Consolas" panose="020B0609020204030204" pitchFamily="49" charset="0"/>
+                </a:rPr>
+                <a:t>;</a:t>
+              </a:r>
+            </a:p>
+            <a:p>
+              <a:endParaRPr lang="pt-BR" sz="1400" dirty="0">
+                <a:latin typeface="Consolas" panose="020B0609020204030204" pitchFamily="49" charset="0"/>
+              </a:endParaRPr>
+            </a:p>
+            <a:p>
+              <a:r>
+                <a:rPr lang="pt-BR" sz="1400" dirty="0">
+                  <a:latin typeface="Consolas" panose="020B0609020204030204" pitchFamily="49" charset="0"/>
+                </a:rPr>
+                <a:t>    </a:t>
+              </a:r>
+              <a:r>
+                <a:rPr lang="pt-BR" sz="1400" dirty="0" err="1">
+                  <a:latin typeface="Consolas" panose="020B0609020204030204" pitchFamily="49" charset="0"/>
+                </a:rPr>
+                <a:t>cout</a:t>
+              </a:r>
+              <a:r>
+                <a:rPr lang="pt-BR" sz="1400" dirty="0">
+                  <a:latin typeface="Consolas" panose="020B0609020204030204" pitchFamily="49" charset="0"/>
+                </a:rPr>
+                <a:t> &lt;&lt; </a:t>
+              </a:r>
+              <a:r>
+                <a:rPr lang="pt-BR" sz="1400" dirty="0">
+                  <a:solidFill>
+                    <a:schemeClr val="accent2">
+                      <a:lumMod val="60000"/>
+                      <a:lumOff val="40000"/>
+                    </a:schemeClr>
+                  </a:solidFill>
+                  <a:latin typeface="Consolas" panose="020B0609020204030204" pitchFamily="49" charset="0"/>
+                </a:rPr>
+                <a:t>"Tempo corrigindo = "</a:t>
+              </a:r>
+              <a:r>
+                <a:rPr lang="pt-BR" sz="1400" dirty="0">
+                  <a:latin typeface="Consolas" panose="020B0609020204030204" pitchFamily="49" charset="0"/>
+                </a:rPr>
+                <a:t>;</a:t>
+              </a:r>
+            </a:p>
+            <a:p>
+              <a:r>
+                <a:rPr lang="pt-BR" sz="1400" dirty="0">
+                  <a:latin typeface="Consolas" panose="020B0609020204030204" pitchFamily="49" charset="0"/>
+                </a:rPr>
+                <a:t>    </a:t>
+              </a:r>
+              <a:r>
+                <a:rPr lang="pt-BR" sz="1400" dirty="0" err="1">
+                  <a:latin typeface="Consolas" panose="020B0609020204030204" pitchFamily="49" charset="0"/>
+                </a:rPr>
+                <a:t>corrigindo.</a:t>
+              </a:r>
+              <a:r>
+                <a:rPr lang="pt-BR" sz="1400" dirty="0" err="1">
+                  <a:solidFill>
+                    <a:schemeClr val="accent6">
+                      <a:lumMod val="60000"/>
+                      <a:lumOff val="40000"/>
+                    </a:schemeClr>
+                  </a:solidFill>
+                  <a:latin typeface="Consolas" panose="020B0609020204030204" pitchFamily="49" charset="0"/>
+                </a:rPr>
+                <a:t>Exibir</a:t>
+              </a:r>
+              <a:r>
+                <a:rPr lang="pt-BR" sz="1400" dirty="0">
+                  <a:latin typeface="Consolas" panose="020B0609020204030204" pitchFamily="49" charset="0"/>
+                </a:rPr>
+                <a:t>();</a:t>
+              </a:r>
+            </a:p>
+            <a:p>
+              <a:r>
+                <a:rPr lang="pt-BR" sz="1400" dirty="0">
+                  <a:latin typeface="Consolas" panose="020B0609020204030204" pitchFamily="49" charset="0"/>
+                </a:rPr>
+                <a:t>    </a:t>
+              </a:r>
+              <a:r>
+                <a:rPr lang="pt-BR" sz="1400" dirty="0" err="1">
+                  <a:latin typeface="Consolas" panose="020B0609020204030204" pitchFamily="49" charset="0"/>
+                </a:rPr>
+                <a:t>cout</a:t>
+              </a:r>
+              <a:r>
+                <a:rPr lang="pt-BR" sz="1400" dirty="0">
+                  <a:latin typeface="Consolas" panose="020B0609020204030204" pitchFamily="49" charset="0"/>
+                </a:rPr>
+                <a:t> &lt;&lt; </a:t>
+              </a:r>
+              <a:r>
+                <a:rPr lang="pt-BR" sz="1400" dirty="0" err="1">
+                  <a:latin typeface="Consolas" panose="020B0609020204030204" pitchFamily="49" charset="0"/>
+                </a:rPr>
+                <a:t>endl</a:t>
+              </a:r>
+              <a:r>
+                <a:rPr lang="pt-BR" sz="1400" dirty="0">
+                  <a:latin typeface="Consolas" panose="020B0609020204030204" pitchFamily="49" charset="0"/>
+                </a:rPr>
+                <a:t>;</a:t>
+              </a:r>
+            </a:p>
+            <a:p>
+              <a:endParaRPr lang="pt-BR" sz="1400" dirty="0">
+                <a:latin typeface="Consolas" panose="020B0609020204030204" pitchFamily="49" charset="0"/>
+              </a:endParaRPr>
+            </a:p>
+            <a:p>
+              <a:r>
+                <a:rPr lang="pt-BR" sz="1400" dirty="0">
+                  <a:latin typeface="Consolas" panose="020B0609020204030204" pitchFamily="49" charset="0"/>
+                </a:rPr>
+                <a:t>    total = </a:t>
+              </a:r>
+              <a:r>
+                <a:rPr lang="pt-BR" sz="1400" dirty="0" err="1">
+                  <a:latin typeface="Consolas" panose="020B0609020204030204" pitchFamily="49" charset="0"/>
+                </a:rPr>
+                <a:t>codificando.</a:t>
+              </a:r>
+              <a:r>
+                <a:rPr lang="pt-BR" sz="1400" dirty="0" err="1">
+                  <a:solidFill>
+                    <a:schemeClr val="accent6">
+                      <a:lumMod val="60000"/>
+                      <a:lumOff val="40000"/>
+                    </a:schemeClr>
+                  </a:solidFill>
+                  <a:latin typeface="Consolas" panose="020B0609020204030204" pitchFamily="49" charset="0"/>
+                </a:rPr>
+                <a:t>Somar</a:t>
+              </a:r>
+              <a:r>
+                <a:rPr lang="pt-BR" sz="1400" dirty="0">
+                  <a:latin typeface="Consolas" panose="020B0609020204030204" pitchFamily="49" charset="0"/>
+                </a:rPr>
+                <a:t>(corrigindo);</a:t>
+              </a:r>
+            </a:p>
+            <a:p>
+              <a:r>
+                <a:rPr lang="pt-BR" sz="1400" dirty="0">
+                  <a:latin typeface="Consolas" panose="020B0609020204030204" pitchFamily="49" charset="0"/>
+                </a:rPr>
+                <a:t>    </a:t>
+              </a:r>
+              <a:r>
+                <a:rPr lang="pt-BR" sz="1400" dirty="0" err="1">
+                  <a:latin typeface="Consolas" panose="020B0609020204030204" pitchFamily="49" charset="0"/>
+                </a:rPr>
+                <a:t>cout</a:t>
+              </a:r>
+              <a:r>
+                <a:rPr lang="pt-BR" sz="1400" dirty="0">
+                  <a:latin typeface="Consolas" panose="020B0609020204030204" pitchFamily="49" charset="0"/>
+                </a:rPr>
+                <a:t> &lt;&lt; </a:t>
+              </a:r>
+              <a:r>
+                <a:rPr lang="pt-BR" sz="1400" dirty="0">
+                  <a:solidFill>
+                    <a:schemeClr val="accent2">
+                      <a:lumMod val="60000"/>
+                      <a:lumOff val="40000"/>
+                    </a:schemeClr>
+                  </a:solidFill>
+                  <a:latin typeface="Consolas" panose="020B0609020204030204" pitchFamily="49" charset="0"/>
+                </a:rPr>
+                <a:t>"Tempo Total = "</a:t>
+              </a:r>
+              <a:r>
+                <a:rPr lang="pt-BR" sz="1400" dirty="0">
+                  <a:latin typeface="Consolas" panose="020B0609020204030204" pitchFamily="49" charset="0"/>
+                </a:rPr>
+                <a:t>;</a:t>
+              </a:r>
+            </a:p>
+            <a:p>
+              <a:r>
+                <a:rPr lang="pt-BR" sz="1400" dirty="0">
+                  <a:latin typeface="Consolas" panose="020B0609020204030204" pitchFamily="49" charset="0"/>
+                </a:rPr>
+                <a:t>    </a:t>
+              </a:r>
+              <a:r>
+                <a:rPr lang="pt-BR" sz="1400" dirty="0" err="1">
+                  <a:latin typeface="Consolas" panose="020B0609020204030204" pitchFamily="49" charset="0"/>
+                </a:rPr>
+                <a:t>total.</a:t>
+              </a:r>
+              <a:r>
+                <a:rPr lang="pt-BR" sz="1400" dirty="0" err="1">
+                  <a:solidFill>
+                    <a:schemeClr val="accent6">
+                      <a:lumMod val="60000"/>
+                      <a:lumOff val="40000"/>
+                    </a:schemeClr>
+                  </a:solidFill>
+                  <a:latin typeface="Consolas" panose="020B0609020204030204" pitchFamily="49" charset="0"/>
+                </a:rPr>
+                <a:t>Exibir</a:t>
+              </a:r>
+              <a:r>
+                <a:rPr lang="pt-BR" sz="1400" dirty="0">
+                  <a:latin typeface="Consolas" panose="020B0609020204030204" pitchFamily="49" charset="0"/>
+                </a:rPr>
+                <a:t>();</a:t>
+              </a:r>
+            </a:p>
+            <a:p>
+              <a:r>
+                <a:rPr lang="pt-BR" sz="1400" dirty="0">
+                  <a:latin typeface="Consolas" panose="020B0609020204030204" pitchFamily="49" charset="0"/>
+                </a:rPr>
+                <a:t>    </a:t>
+              </a:r>
+              <a:r>
+                <a:rPr lang="pt-BR" sz="1400" dirty="0" err="1">
+                  <a:latin typeface="Consolas" panose="020B0609020204030204" pitchFamily="49" charset="0"/>
+                </a:rPr>
+                <a:t>cout</a:t>
+              </a:r>
+              <a:r>
+                <a:rPr lang="pt-BR" sz="1400" dirty="0">
+                  <a:latin typeface="Consolas" panose="020B0609020204030204" pitchFamily="49" charset="0"/>
+                </a:rPr>
+                <a:t> &lt;&lt; </a:t>
+              </a:r>
+              <a:r>
+                <a:rPr lang="pt-BR" sz="1400" dirty="0" err="1">
+                  <a:latin typeface="Consolas" panose="020B0609020204030204" pitchFamily="49" charset="0"/>
+                </a:rPr>
+                <a:t>endl</a:t>
+              </a:r>
+              <a:r>
+                <a:rPr lang="pt-BR" sz="1400" dirty="0">
+                  <a:latin typeface="Consolas" panose="020B0609020204030204" pitchFamily="49" charset="0"/>
+                </a:rPr>
+                <a:t>;</a:t>
+              </a:r>
+            </a:p>
+            <a:p>
+              <a:endParaRPr lang="pt-BR" sz="1400" dirty="0">
+                <a:latin typeface="Consolas" panose="020B0609020204030204" pitchFamily="49" charset="0"/>
+              </a:endParaRPr>
+            </a:p>
+            <a:p>
+              <a:r>
+                <a:rPr lang="pt-BR" sz="1400" dirty="0">
+                  <a:solidFill>
+                    <a:schemeClr val="accent3">
+                      <a:lumMod val="75000"/>
+                    </a:schemeClr>
+                  </a:solidFill>
+                  <a:latin typeface="Consolas" panose="020B0609020204030204" pitchFamily="49" charset="0"/>
+                </a:rPr>
+                <a:t>    </a:t>
+              </a:r>
+              <a:r>
+                <a:rPr lang="pt-BR" sz="1400" dirty="0" err="1">
+                  <a:solidFill>
+                    <a:schemeClr val="accent3">
+                      <a:lumMod val="75000"/>
+                    </a:schemeClr>
+                  </a:solidFill>
+                  <a:latin typeface="Consolas" panose="020B0609020204030204" pitchFamily="49" charset="0"/>
+                </a:rPr>
+                <a:t>return</a:t>
+              </a:r>
+              <a:r>
+                <a:rPr lang="pt-BR" sz="1400" dirty="0">
+                  <a:latin typeface="Consolas" panose="020B0609020204030204" pitchFamily="49" charset="0"/>
+                </a:rPr>
+                <a:t> </a:t>
+              </a:r>
+              <a:r>
+                <a:rPr lang="pt-BR" sz="1400" dirty="0">
+                  <a:solidFill>
+                    <a:schemeClr val="accent3">
+                      <a:lumMod val="60000"/>
+                      <a:lumOff val="40000"/>
+                    </a:schemeClr>
+                  </a:solidFill>
+                  <a:latin typeface="Consolas" panose="020B0609020204030204" pitchFamily="49" charset="0"/>
+                </a:rPr>
+                <a:t>0</a:t>
+              </a:r>
+              <a:r>
+                <a:rPr lang="pt-BR" sz="1400" dirty="0">
+                  <a:latin typeface="Consolas" panose="020B0609020204030204" pitchFamily="49" charset="0"/>
+                </a:rPr>
+                <a:t>;</a:t>
+              </a:r>
+            </a:p>
+            <a:p>
+              <a:r>
+                <a:rPr lang="pt-BR" sz="1400" dirty="0">
+                  <a:latin typeface="Consolas" panose="020B0609020204030204" pitchFamily="49" charset="0"/>
+                </a:rPr>
+                <a:t>}</a:t>
+              </a:r>
+            </a:p>
+          </p:txBody>
+        </p:sp>
+      </p:grpSp>
     </p:spTree>
     <p:extLst>
       <p:ext uri="{BB962C8B-B14F-4D97-AF65-F5344CB8AC3E}">
@@ -13254,7 +13275,7 @@
                 <a:t> </a:t>
               </a:r>
               <a:r>
-                <a:rPr lang="pt-BR" sz="1200">
+                <a:rPr lang="pt-BR" sz="1200" dirty="0">
                   <a:solidFill>
                     <a:schemeClr val="tx1">
                       <a:lumMod val="75000"/>
@@ -13266,14 +13287,14 @@
                 <a:t>soma</a:t>
               </a:r>
               <a:r>
-                <a:rPr lang="pt-BR" sz="1200">
+                <a:rPr lang="pt-BR" sz="1200" dirty="0">
                   <a:latin typeface="Consolas" panose="020B0609020204030204" pitchFamily="49" charset="0"/>
                   <a:cs typeface="Consolas" panose="020B0609020204030204" pitchFamily="49" charset="0"/>
                 </a:rPr>
                 <a:t>;</a:t>
               </a:r>
               <a:br>
-                <a:rPr lang="pt-BR" sz="1200">
+                <a:rPr lang="pt-BR" sz="1200" dirty="0">
                   <a:latin typeface="Consolas" panose="020B0609020204030204" pitchFamily="49" charset="0"/>
                   <a:cs typeface="Consolas" panose="020B0609020204030204" pitchFamily="49" charset="0"/>
                 </a:rPr>
@@ -14012,124 +14033,6 @@
       </p:grpSpPr>
       <p:sp>
         <p:nvSpPr>
-          <p:cNvPr id="9" name="Retângulo: Cantos Arredondados 8">
-            <a:extLst>
-              <a:ext uri="{FF2B5EF4-FFF2-40B4-BE49-F238E27FC236}">
-                <a16:creationId xmlns:a16="http://schemas.microsoft.com/office/drawing/2014/main" id="{35D7C4D0-6C1D-6667-64A3-32CED7C1C06C}"/>
-              </a:ext>
-            </a:extLst>
-          </p:cNvPr>
-          <p:cNvSpPr/>
-          <p:nvPr/>
-        </p:nvSpPr>
-        <p:spPr>
-          <a:xfrm>
-            <a:off x="2144021" y="4539231"/>
-            <a:ext cx="3951979" cy="343458"/>
-          </a:xfrm>
-          <a:prstGeom prst="roundRect">
-            <a:avLst>
-              <a:gd name="adj" fmla="val 10390"/>
-            </a:avLst>
-          </a:prstGeom>
-          <a:solidFill>
-            <a:schemeClr val="accent6">
-              <a:lumMod val="50000"/>
-              <a:alpha val="50000"/>
-            </a:schemeClr>
-          </a:solidFill>
-          <a:ln>
-            <a:solidFill>
-              <a:schemeClr val="accent6">
-                <a:lumMod val="75000"/>
-              </a:schemeClr>
-            </a:solidFill>
-          </a:ln>
-        </p:spPr>
-        <p:style>
-          <a:lnRef idx="0">
-            <a:scrgbClr r="0" g="0" b="0"/>
-          </a:lnRef>
-          <a:fillRef idx="0">
-            <a:scrgbClr r="0" g="0" b="0"/>
-          </a:fillRef>
-          <a:effectRef idx="0">
-            <a:scrgbClr r="0" g="0" b="0"/>
-          </a:effectRef>
-          <a:fontRef idx="minor">
-            <a:schemeClr val="lt1"/>
-          </a:fontRef>
-        </p:style>
-        <p:txBody>
-          <a:bodyPr rtlCol="0" anchor="ctr"/>
-          <a:lstStyle/>
-          <a:p>
-            <a:pPr algn="ctr"/>
-            <a:endParaRPr lang="pt-BR" sz="1400" dirty="0"/>
-          </a:p>
-        </p:txBody>
-      </p:sp>
-      <p:sp>
-        <p:nvSpPr>
-          <p:cNvPr id="10" name="Retângulo: Cantos Arredondados 9">
-            <a:extLst>
-              <a:ext uri="{FF2B5EF4-FFF2-40B4-BE49-F238E27FC236}">
-                <a16:creationId xmlns:a16="http://schemas.microsoft.com/office/drawing/2014/main" id="{7C2BBF40-6477-E70F-8F69-605054A36212}"/>
-              </a:ext>
-            </a:extLst>
-          </p:cNvPr>
-          <p:cNvSpPr/>
-          <p:nvPr/>
-        </p:nvSpPr>
-        <p:spPr>
-          <a:xfrm>
-            <a:off x="7212875" y="4539231"/>
-            <a:ext cx="3554743" cy="343458"/>
-          </a:xfrm>
-          <a:prstGeom prst="roundRect">
-            <a:avLst>
-              <a:gd name="adj" fmla="val 10390"/>
-            </a:avLst>
-          </a:prstGeom>
-          <a:solidFill>
-            <a:schemeClr val="accent6">
-              <a:lumMod val="50000"/>
-              <a:alpha val="50000"/>
-            </a:schemeClr>
-          </a:solidFill>
-          <a:ln>
-            <a:solidFill>
-              <a:schemeClr val="accent6">
-                <a:lumMod val="75000"/>
-              </a:schemeClr>
-            </a:solidFill>
-          </a:ln>
-        </p:spPr>
-        <p:style>
-          <a:lnRef idx="0">
-            <a:scrgbClr r="0" g="0" b="0"/>
-          </a:lnRef>
-          <a:fillRef idx="0">
-            <a:scrgbClr r="0" g="0" b="0"/>
-          </a:fillRef>
-          <a:effectRef idx="0">
-            <a:scrgbClr r="0" g="0" b="0"/>
-          </a:effectRef>
-          <a:fontRef idx="minor">
-            <a:schemeClr val="lt1"/>
-          </a:fontRef>
-        </p:style>
-        <p:txBody>
-          <a:bodyPr rtlCol="0" anchor="ctr"/>
-          <a:lstStyle/>
-          <a:p>
-            <a:pPr algn="ctr"/>
-            <a:endParaRPr lang="pt-BR" sz="1400" dirty="0"/>
-          </a:p>
-        </p:txBody>
-      </p:sp>
-      <p:sp>
-        <p:nvSpPr>
           <p:cNvPr id="2" name="Título 1">
             <a:extLst>
               <a:ext uri="{FF2B5EF4-FFF2-40B4-BE49-F238E27FC236}">
@@ -14210,867 +14113,1006 @@
           </a:p>
         </p:txBody>
       </p:sp>
-      <p:sp>
-        <p:nvSpPr>
-          <p:cNvPr id="4" name="CaixaDeTexto 3">
+      <p:grpSp>
+        <p:nvGrpSpPr>
+          <p:cNvPr id="5" name="Agrupar 4">
             <a:extLst>
               <a:ext uri="{FF2B5EF4-FFF2-40B4-BE49-F238E27FC236}">
-                <a16:creationId xmlns:a16="http://schemas.microsoft.com/office/drawing/2014/main" id="{118E5E77-EB61-6951-1565-02FF69B07D87}"/>
+                <a16:creationId xmlns:a16="http://schemas.microsoft.com/office/drawing/2014/main" id="{C248E09F-0B20-7DCC-1C35-B88E6994817D}"/>
               </a:ext>
             </a:extLst>
           </p:cNvPr>
-          <p:cNvSpPr txBox="1"/>
+          <p:cNvGrpSpPr/>
           <p:nvPr/>
-        </p:nvSpPr>
-        <p:spPr>
+        </p:nvGrpSpPr>
+        <p:grpSpPr>
           <a:xfrm>
             <a:off x="1776099" y="2636146"/>
-            <a:ext cx="4582774" cy="3754874"/>
+            <a:ext cx="10363189" cy="3754874"/>
+            <a:chOff x="1776099" y="2636146"/>
+            <a:chExt cx="10363189" cy="3754874"/>
           </a:xfrm>
-          <a:prstGeom prst="rect">
-            <a:avLst/>
-          </a:prstGeom>
-          <a:noFill/>
-        </p:spPr>
-        <p:txBody>
-          <a:bodyPr wrap="square">
-            <a:spAutoFit/>
-          </a:bodyPr>
-          <a:lstStyle/>
-          <a:p>
-            <a:r>
-              <a:rPr lang="pt-BR" sz="1400" dirty="0" err="1">
-                <a:solidFill>
-                  <a:schemeClr val="accent3">
-                    <a:lumMod val="75000"/>
-                  </a:schemeClr>
-                </a:solidFill>
-                <a:latin typeface="Consolas" panose="020B0609020204030204" pitchFamily="49" charset="0"/>
-              </a:rPr>
-              <a:t>int</a:t>
-            </a:r>
-            <a:r>
-              <a:rPr lang="pt-BR" sz="1400" dirty="0">
-                <a:latin typeface="Consolas" panose="020B0609020204030204" pitchFamily="49" charset="0"/>
-              </a:rPr>
-              <a:t> </a:t>
-            </a:r>
-            <a:r>
-              <a:rPr lang="pt-BR" sz="1400" dirty="0" err="1">
-                <a:latin typeface="Consolas" panose="020B0609020204030204" pitchFamily="49" charset="0"/>
-              </a:rPr>
-              <a:t>main</a:t>
-            </a:r>
-            <a:r>
-              <a:rPr lang="pt-BR" sz="1400" dirty="0">
-                <a:latin typeface="Consolas" panose="020B0609020204030204" pitchFamily="49" charset="0"/>
-              </a:rPr>
-              <a:t>()</a:t>
-            </a:r>
-          </a:p>
-          <a:p>
-            <a:r>
-              <a:rPr lang="pt-BR" sz="1400" dirty="0">
-                <a:latin typeface="Consolas" panose="020B0609020204030204" pitchFamily="49" charset="0"/>
-              </a:rPr>
-              <a:t>{</a:t>
-            </a:r>
-          </a:p>
-          <a:p>
-            <a:r>
-              <a:rPr lang="pt-BR" sz="1400" dirty="0">
-                <a:latin typeface="Consolas" panose="020B0609020204030204" pitchFamily="49" charset="0"/>
-              </a:rPr>
-              <a:t>    </a:t>
-            </a:r>
-            <a:r>
-              <a:rPr lang="pt-BR" sz="1400" dirty="0">
-                <a:solidFill>
-                  <a:schemeClr val="accent3"/>
-                </a:solidFill>
-                <a:latin typeface="Consolas" panose="020B0609020204030204" pitchFamily="49" charset="0"/>
-              </a:rPr>
-              <a:t>Tempo</a:t>
-            </a:r>
-            <a:r>
-              <a:rPr lang="pt-BR" sz="1400" dirty="0">
-                <a:latin typeface="Consolas" panose="020B0609020204030204" pitchFamily="49" charset="0"/>
-              </a:rPr>
-              <a:t> projetando;</a:t>
-            </a:r>
-          </a:p>
-          <a:p>
-            <a:r>
-              <a:rPr lang="pt-BR" sz="1400" dirty="0">
-                <a:latin typeface="Consolas" panose="020B0609020204030204" pitchFamily="49" charset="0"/>
-              </a:rPr>
-              <a:t>    </a:t>
-            </a:r>
-            <a:r>
-              <a:rPr lang="pt-BR" sz="1400" dirty="0">
-                <a:solidFill>
-                  <a:schemeClr val="accent3"/>
-                </a:solidFill>
-                <a:latin typeface="Consolas" panose="020B0609020204030204" pitchFamily="49" charset="0"/>
-              </a:rPr>
-              <a:t>Tempo</a:t>
-            </a:r>
-            <a:r>
-              <a:rPr lang="pt-BR" sz="1400" dirty="0">
-                <a:latin typeface="Consolas" panose="020B0609020204030204" pitchFamily="49" charset="0"/>
-              </a:rPr>
-              <a:t> codificando { </a:t>
-            </a:r>
-            <a:r>
-              <a:rPr lang="pt-BR" sz="1400" dirty="0">
-                <a:solidFill>
-                  <a:schemeClr val="accent3">
-                    <a:lumMod val="60000"/>
-                    <a:lumOff val="40000"/>
-                  </a:schemeClr>
-                </a:solidFill>
-                <a:latin typeface="Consolas" panose="020B0609020204030204" pitchFamily="49" charset="0"/>
-              </a:rPr>
-              <a:t>2</a:t>
-            </a:r>
-            <a:r>
-              <a:rPr lang="pt-BR" sz="1400" dirty="0">
-                <a:latin typeface="Consolas" panose="020B0609020204030204" pitchFamily="49" charset="0"/>
-              </a:rPr>
-              <a:t>, </a:t>
-            </a:r>
-            <a:r>
-              <a:rPr lang="pt-BR" sz="1400" dirty="0">
-                <a:solidFill>
-                  <a:schemeClr val="accent3">
-                    <a:lumMod val="60000"/>
-                    <a:lumOff val="40000"/>
-                  </a:schemeClr>
-                </a:solidFill>
-                <a:latin typeface="Consolas" panose="020B0609020204030204" pitchFamily="49" charset="0"/>
-              </a:rPr>
-              <a:t>40</a:t>
-            </a:r>
-            <a:r>
-              <a:rPr lang="pt-BR" sz="1400" dirty="0">
-                <a:latin typeface="Consolas" panose="020B0609020204030204" pitchFamily="49" charset="0"/>
-              </a:rPr>
-              <a:t> };</a:t>
-            </a:r>
-          </a:p>
-          <a:p>
-            <a:r>
-              <a:rPr lang="pt-BR" sz="1400" dirty="0">
-                <a:latin typeface="Consolas" panose="020B0609020204030204" pitchFamily="49" charset="0"/>
-              </a:rPr>
-              <a:t>    </a:t>
-            </a:r>
-            <a:r>
-              <a:rPr lang="pt-BR" sz="1400" dirty="0">
-                <a:solidFill>
-                  <a:schemeClr val="accent3"/>
-                </a:solidFill>
-                <a:latin typeface="Consolas" panose="020B0609020204030204" pitchFamily="49" charset="0"/>
-              </a:rPr>
-              <a:t>Tempo</a:t>
-            </a:r>
-            <a:r>
-              <a:rPr lang="pt-BR" sz="1400" dirty="0">
-                <a:latin typeface="Consolas" panose="020B0609020204030204" pitchFamily="49" charset="0"/>
-              </a:rPr>
-              <a:t> corrigindo { </a:t>
-            </a:r>
-            <a:r>
-              <a:rPr lang="pt-BR" sz="1400" dirty="0">
-                <a:solidFill>
-                  <a:schemeClr val="accent3">
-                    <a:lumMod val="60000"/>
-                    <a:lumOff val="40000"/>
-                  </a:schemeClr>
-                </a:solidFill>
-                <a:latin typeface="Consolas" panose="020B0609020204030204" pitchFamily="49" charset="0"/>
-              </a:rPr>
-              <a:t>5</a:t>
-            </a:r>
-            <a:r>
-              <a:rPr lang="pt-BR" sz="1400" dirty="0">
-                <a:latin typeface="Consolas" panose="020B0609020204030204" pitchFamily="49" charset="0"/>
-              </a:rPr>
-              <a:t>, </a:t>
-            </a:r>
-            <a:r>
-              <a:rPr lang="pt-BR" sz="1400" dirty="0">
-                <a:solidFill>
-                  <a:schemeClr val="accent3">
-                    <a:lumMod val="60000"/>
-                    <a:lumOff val="40000"/>
-                  </a:schemeClr>
-                </a:solidFill>
-                <a:latin typeface="Consolas" panose="020B0609020204030204" pitchFamily="49" charset="0"/>
-              </a:rPr>
-              <a:t>55</a:t>
-            </a:r>
-            <a:r>
-              <a:rPr lang="pt-BR" sz="1400" dirty="0">
-                <a:latin typeface="Consolas" panose="020B0609020204030204" pitchFamily="49" charset="0"/>
-              </a:rPr>
-              <a:t> };</a:t>
-            </a:r>
-          </a:p>
-          <a:p>
-            <a:r>
-              <a:rPr lang="pt-BR" sz="1400" dirty="0">
-                <a:latin typeface="Consolas" panose="020B0609020204030204" pitchFamily="49" charset="0"/>
-              </a:rPr>
-              <a:t>    </a:t>
-            </a:r>
-            <a:r>
-              <a:rPr lang="pt-BR" sz="1400" dirty="0">
-                <a:solidFill>
-                  <a:schemeClr val="accent3"/>
-                </a:solidFill>
-                <a:latin typeface="Consolas" panose="020B0609020204030204" pitchFamily="49" charset="0"/>
-              </a:rPr>
-              <a:t>Tempo</a:t>
-            </a:r>
-            <a:r>
-              <a:rPr lang="pt-BR" sz="1400" dirty="0">
-                <a:latin typeface="Consolas" panose="020B0609020204030204" pitchFamily="49" charset="0"/>
-              </a:rPr>
-              <a:t> total;</a:t>
-            </a:r>
-          </a:p>
-          <a:p>
-            <a:endParaRPr lang="pt-BR" sz="1400" dirty="0">
-              <a:latin typeface="Consolas" panose="020B0609020204030204" pitchFamily="49" charset="0"/>
-            </a:endParaRPr>
-          </a:p>
-          <a:p>
-            <a:r>
-              <a:rPr lang="pt-BR" sz="1400" dirty="0">
-                <a:latin typeface="Consolas" panose="020B0609020204030204" pitchFamily="49" charset="0"/>
-              </a:rPr>
-              <a:t>    </a:t>
-            </a:r>
-          </a:p>
-          <a:p>
-            <a:endParaRPr lang="pt-BR" sz="1400" dirty="0">
-              <a:latin typeface="Consolas" panose="020B0609020204030204" pitchFamily="49" charset="0"/>
-            </a:endParaRPr>
-          </a:p>
-          <a:p>
-            <a:r>
-              <a:rPr lang="pt-BR" sz="1400" dirty="0">
-                <a:latin typeface="Consolas" panose="020B0609020204030204" pitchFamily="49" charset="0"/>
-              </a:rPr>
-              <a:t>    total = codificando.</a:t>
-            </a:r>
-            <a:r>
-              <a:rPr lang="pt-BR" sz="1400" dirty="0">
-                <a:solidFill>
-                  <a:schemeClr val="accent6">
-                    <a:lumMod val="60000"/>
-                    <a:lumOff val="40000"/>
-                  </a:schemeClr>
-                </a:solidFill>
-                <a:latin typeface="Consolas" panose="020B0609020204030204" pitchFamily="49" charset="0"/>
-              </a:rPr>
-              <a:t>Somar</a:t>
-            </a:r>
-            <a:r>
-              <a:rPr lang="pt-BR" sz="1400" dirty="0">
-                <a:latin typeface="Consolas" panose="020B0609020204030204" pitchFamily="49" charset="0"/>
-              </a:rPr>
-              <a:t>(corrigindo);</a:t>
-            </a:r>
-            <a:br>
-              <a:rPr lang="pt-BR" sz="1400" dirty="0">
-                <a:latin typeface="Consolas" panose="020B0609020204030204" pitchFamily="49" charset="0"/>
-              </a:rPr>
-            </a:br>
-            <a:endParaRPr lang="pt-BR" sz="1400" dirty="0">
-              <a:latin typeface="Consolas" panose="020B0609020204030204" pitchFamily="49" charset="0"/>
-            </a:endParaRPr>
-          </a:p>
-          <a:p>
-            <a:r>
-              <a:rPr lang="pt-BR" sz="1400" dirty="0">
-                <a:latin typeface="Consolas" panose="020B0609020204030204" pitchFamily="49" charset="0"/>
-              </a:rPr>
-              <a:t>    </a:t>
-            </a:r>
-            <a:r>
-              <a:rPr lang="pt-BR" sz="1400" dirty="0" err="1">
-                <a:latin typeface="Consolas" panose="020B0609020204030204" pitchFamily="49" charset="0"/>
-              </a:rPr>
-              <a:t>cout</a:t>
-            </a:r>
-            <a:r>
-              <a:rPr lang="pt-BR" sz="1400" dirty="0">
-                <a:latin typeface="Consolas" panose="020B0609020204030204" pitchFamily="49" charset="0"/>
-              </a:rPr>
-              <a:t> &lt;&lt; </a:t>
-            </a:r>
-            <a:r>
-              <a:rPr lang="pt-BR" sz="1400" dirty="0">
-                <a:solidFill>
-                  <a:schemeClr val="accent2">
-                    <a:lumMod val="60000"/>
-                    <a:lumOff val="40000"/>
-                  </a:schemeClr>
-                </a:solidFill>
-                <a:latin typeface="Consolas" panose="020B0609020204030204" pitchFamily="49" charset="0"/>
-              </a:rPr>
-              <a:t>"Tempo Total = "</a:t>
-            </a:r>
-            <a:r>
-              <a:rPr lang="pt-BR" sz="1400" dirty="0">
-                <a:latin typeface="Consolas" panose="020B0609020204030204" pitchFamily="49" charset="0"/>
-              </a:rPr>
-              <a:t>;</a:t>
-            </a:r>
-          </a:p>
-          <a:p>
-            <a:r>
-              <a:rPr lang="pt-BR" sz="1400" dirty="0">
-                <a:latin typeface="Consolas" panose="020B0609020204030204" pitchFamily="49" charset="0"/>
-              </a:rPr>
-              <a:t>    </a:t>
-            </a:r>
-            <a:r>
-              <a:rPr lang="pt-BR" sz="1400" dirty="0" err="1">
-                <a:latin typeface="Consolas" panose="020B0609020204030204" pitchFamily="49" charset="0"/>
-              </a:rPr>
-              <a:t>total.</a:t>
-            </a:r>
-            <a:r>
-              <a:rPr lang="pt-BR" sz="1400" dirty="0" err="1">
-                <a:solidFill>
-                  <a:schemeClr val="accent6">
-                    <a:lumMod val="60000"/>
-                    <a:lumOff val="40000"/>
-                  </a:schemeClr>
-                </a:solidFill>
-                <a:latin typeface="Consolas" panose="020B0609020204030204" pitchFamily="49" charset="0"/>
-              </a:rPr>
-              <a:t>Exibir</a:t>
-            </a:r>
-            <a:r>
-              <a:rPr lang="pt-BR" sz="1400" dirty="0">
-                <a:latin typeface="Consolas" panose="020B0609020204030204" pitchFamily="49" charset="0"/>
-              </a:rPr>
-              <a:t>();</a:t>
-            </a:r>
-          </a:p>
-          <a:p>
-            <a:r>
-              <a:rPr lang="pt-BR" sz="1400" dirty="0">
-                <a:latin typeface="Consolas" panose="020B0609020204030204" pitchFamily="49" charset="0"/>
-              </a:rPr>
-              <a:t>    </a:t>
-            </a:r>
-            <a:r>
-              <a:rPr lang="pt-BR" sz="1400" dirty="0" err="1">
-                <a:latin typeface="Consolas" panose="020B0609020204030204" pitchFamily="49" charset="0"/>
-              </a:rPr>
-              <a:t>cout</a:t>
-            </a:r>
-            <a:r>
-              <a:rPr lang="pt-BR" sz="1400" dirty="0">
-                <a:latin typeface="Consolas" panose="020B0609020204030204" pitchFamily="49" charset="0"/>
-              </a:rPr>
-              <a:t> &lt;&lt; </a:t>
-            </a:r>
-            <a:r>
-              <a:rPr lang="pt-BR" sz="1400" dirty="0" err="1">
-                <a:latin typeface="Consolas" panose="020B0609020204030204" pitchFamily="49" charset="0"/>
-              </a:rPr>
-              <a:t>endl</a:t>
-            </a:r>
-            <a:r>
-              <a:rPr lang="pt-BR" sz="1400" dirty="0">
-                <a:latin typeface="Consolas" panose="020B0609020204030204" pitchFamily="49" charset="0"/>
-              </a:rPr>
-              <a:t>;</a:t>
-            </a:r>
-            <a:br>
-              <a:rPr lang="pt-BR" sz="1400" dirty="0">
-                <a:latin typeface="Consolas" panose="020B0609020204030204" pitchFamily="49" charset="0"/>
-              </a:rPr>
-            </a:br>
-            <a:endParaRPr lang="pt-BR" sz="1400" dirty="0">
-              <a:latin typeface="Consolas" panose="020B0609020204030204" pitchFamily="49" charset="0"/>
-            </a:endParaRPr>
-          </a:p>
-          <a:p>
-            <a:r>
-              <a:rPr lang="pt-BR" sz="1400" dirty="0">
-                <a:latin typeface="Consolas" panose="020B0609020204030204" pitchFamily="49" charset="0"/>
-              </a:rPr>
-              <a:t>    ...</a:t>
-            </a:r>
-          </a:p>
-          <a:p>
-            <a:r>
-              <a:rPr lang="pt-BR" sz="1400" dirty="0">
-                <a:latin typeface="Consolas" panose="020B0609020204030204" pitchFamily="49" charset="0"/>
-              </a:rPr>
-              <a:t>}</a:t>
-            </a:r>
-          </a:p>
-        </p:txBody>
-      </p:sp>
-      <p:cxnSp>
-        <p:nvCxnSpPr>
-          <p:cNvPr id="6" name="Conector reto 5">
-            <a:extLst>
-              <a:ext uri="{FF2B5EF4-FFF2-40B4-BE49-F238E27FC236}">
-                <a16:creationId xmlns:a16="http://schemas.microsoft.com/office/drawing/2014/main" id="{9772FEF7-6EAF-F140-BD77-8E19A8B19117}"/>
-              </a:ext>
-            </a:extLst>
-          </p:cNvPr>
-          <p:cNvCxnSpPr>
-            <a:cxnSpLocks/>
-          </p:cNvCxnSpPr>
-          <p:nvPr/>
-        </p:nvCxnSpPr>
-        <p:spPr>
-          <a:xfrm flipV="1">
-            <a:off x="6468323" y="2636146"/>
-            <a:ext cx="0" cy="3440424"/>
-          </a:xfrm>
-          <a:prstGeom prst="line">
-            <a:avLst/>
-          </a:prstGeom>
-          <a:ln w="12700">
+        </p:grpSpPr>
+        <p:sp>
+          <p:nvSpPr>
+            <p:cNvPr id="9" name="Retângulo: Cantos Arredondados 8">
+              <a:extLst>
+                <a:ext uri="{FF2B5EF4-FFF2-40B4-BE49-F238E27FC236}">
+                  <a16:creationId xmlns:a16="http://schemas.microsoft.com/office/drawing/2014/main" id="{35D7C4D0-6C1D-6667-64A3-32CED7C1C06C}"/>
+                </a:ext>
+              </a:extLst>
+            </p:cNvPr>
+            <p:cNvSpPr/>
+            <p:nvPr/>
+          </p:nvSpPr>
+          <p:spPr>
+            <a:xfrm>
+              <a:off x="2144021" y="4539231"/>
+              <a:ext cx="3951979" cy="343458"/>
+            </a:xfrm>
+            <a:prstGeom prst="roundRect">
+              <a:avLst>
+                <a:gd name="adj" fmla="val 10390"/>
+              </a:avLst>
+            </a:prstGeom>
             <a:solidFill>
-              <a:schemeClr val="accent6"/>
+              <a:schemeClr val="accent6">
+                <a:lumMod val="50000"/>
+                <a:alpha val="50000"/>
+              </a:schemeClr>
             </a:solidFill>
-            <a:prstDash val="dash"/>
-          </a:ln>
-        </p:spPr>
-        <p:style>
-          <a:lnRef idx="1">
-            <a:schemeClr val="accent1"/>
-          </a:lnRef>
-          <a:fillRef idx="0">
-            <a:schemeClr val="accent1"/>
-          </a:fillRef>
-          <a:effectRef idx="0">
-            <a:schemeClr val="accent1"/>
-          </a:effectRef>
-          <a:fontRef idx="minor">
-            <a:schemeClr val="tx1"/>
-          </a:fontRef>
-        </p:style>
-      </p:cxnSp>
-      <p:sp>
-        <p:nvSpPr>
-          <p:cNvPr id="7" name="CaixaDeTexto 6">
-            <a:extLst>
-              <a:ext uri="{FF2B5EF4-FFF2-40B4-BE49-F238E27FC236}">
-                <a16:creationId xmlns:a16="http://schemas.microsoft.com/office/drawing/2014/main" id="{905D52BB-E255-04FC-EB89-1D99299BD72E}"/>
-              </a:ext>
-            </a:extLst>
-          </p:cNvPr>
-          <p:cNvSpPr txBox="1"/>
-          <p:nvPr/>
-        </p:nvSpPr>
-        <p:spPr>
-          <a:xfrm>
-            <a:off x="6897477" y="2636146"/>
-            <a:ext cx="5241811" cy="3754874"/>
-          </a:xfrm>
-          <a:prstGeom prst="rect">
-            <a:avLst/>
-          </a:prstGeom>
-          <a:noFill/>
-        </p:spPr>
-        <p:txBody>
-          <a:bodyPr wrap="square">
-            <a:spAutoFit/>
-          </a:bodyPr>
-          <a:lstStyle/>
-          <a:p>
-            <a:r>
-              <a:rPr lang="pt-BR" sz="1400" dirty="0" err="1">
-                <a:solidFill>
-                  <a:schemeClr val="accent3">
-                    <a:lumMod val="75000"/>
-                  </a:schemeClr>
-                </a:solidFill>
-                <a:latin typeface="Consolas" panose="020B0609020204030204" pitchFamily="49" charset="0"/>
-              </a:rPr>
-              <a:t>int</a:t>
-            </a:r>
-            <a:r>
-              <a:rPr lang="pt-BR" sz="1400" dirty="0">
-                <a:latin typeface="Consolas" panose="020B0609020204030204" pitchFamily="49" charset="0"/>
-              </a:rPr>
-              <a:t> </a:t>
-            </a:r>
-            <a:r>
-              <a:rPr lang="pt-BR" sz="1400" dirty="0" err="1">
-                <a:latin typeface="Consolas" panose="020B0609020204030204" pitchFamily="49" charset="0"/>
-              </a:rPr>
-              <a:t>main</a:t>
-            </a:r>
-            <a:r>
-              <a:rPr lang="pt-BR" sz="1400" dirty="0">
-                <a:latin typeface="Consolas" panose="020B0609020204030204" pitchFamily="49" charset="0"/>
-              </a:rPr>
-              <a:t>()</a:t>
-            </a:r>
-          </a:p>
-          <a:p>
-            <a:r>
-              <a:rPr lang="pt-BR" sz="1400" dirty="0">
-                <a:latin typeface="Consolas" panose="020B0609020204030204" pitchFamily="49" charset="0"/>
-              </a:rPr>
-              <a:t>{</a:t>
-            </a:r>
-          </a:p>
-          <a:p>
-            <a:r>
-              <a:rPr lang="pt-BR" sz="1400" dirty="0">
-                <a:latin typeface="Consolas" panose="020B0609020204030204" pitchFamily="49" charset="0"/>
-              </a:rPr>
-              <a:t>    </a:t>
-            </a:r>
-            <a:r>
-              <a:rPr lang="pt-BR" sz="1400" dirty="0">
-                <a:solidFill>
-                  <a:schemeClr val="accent3"/>
-                </a:solidFill>
-                <a:latin typeface="Consolas" panose="020B0609020204030204" pitchFamily="49" charset="0"/>
-              </a:rPr>
-              <a:t>Tempo</a:t>
-            </a:r>
-            <a:r>
-              <a:rPr lang="pt-BR" sz="1400" dirty="0">
-                <a:latin typeface="Consolas" panose="020B0609020204030204" pitchFamily="49" charset="0"/>
-              </a:rPr>
-              <a:t> projetando;</a:t>
-            </a:r>
-          </a:p>
-          <a:p>
-            <a:r>
-              <a:rPr lang="pt-BR" sz="1400" dirty="0">
-                <a:latin typeface="Consolas" panose="020B0609020204030204" pitchFamily="49" charset="0"/>
-              </a:rPr>
-              <a:t>    </a:t>
-            </a:r>
-            <a:r>
-              <a:rPr lang="pt-BR" sz="1400" dirty="0">
-                <a:solidFill>
-                  <a:schemeClr val="accent3"/>
-                </a:solidFill>
-                <a:latin typeface="Consolas" panose="020B0609020204030204" pitchFamily="49" charset="0"/>
-              </a:rPr>
-              <a:t>Tempo</a:t>
-            </a:r>
-            <a:r>
-              <a:rPr lang="pt-BR" sz="1400" dirty="0">
-                <a:latin typeface="Consolas" panose="020B0609020204030204" pitchFamily="49" charset="0"/>
-              </a:rPr>
-              <a:t> codificando { </a:t>
-            </a:r>
-            <a:r>
-              <a:rPr lang="pt-BR" sz="1400" dirty="0">
-                <a:solidFill>
-                  <a:schemeClr val="accent3">
-                    <a:lumMod val="60000"/>
-                    <a:lumOff val="40000"/>
-                  </a:schemeClr>
-                </a:solidFill>
-                <a:latin typeface="Consolas" panose="020B0609020204030204" pitchFamily="49" charset="0"/>
-              </a:rPr>
-              <a:t>2</a:t>
-            </a:r>
-            <a:r>
-              <a:rPr lang="pt-BR" sz="1400" dirty="0">
-                <a:latin typeface="Consolas" panose="020B0609020204030204" pitchFamily="49" charset="0"/>
-              </a:rPr>
-              <a:t>, </a:t>
-            </a:r>
-            <a:r>
-              <a:rPr lang="pt-BR" sz="1400" dirty="0">
-                <a:solidFill>
-                  <a:schemeClr val="accent3">
-                    <a:lumMod val="60000"/>
-                    <a:lumOff val="40000"/>
-                  </a:schemeClr>
-                </a:solidFill>
-                <a:latin typeface="Consolas" panose="020B0609020204030204" pitchFamily="49" charset="0"/>
-              </a:rPr>
-              <a:t>40</a:t>
-            </a:r>
-            <a:r>
-              <a:rPr lang="pt-BR" sz="1400" dirty="0">
-                <a:latin typeface="Consolas" panose="020B0609020204030204" pitchFamily="49" charset="0"/>
-              </a:rPr>
-              <a:t> };</a:t>
-            </a:r>
-          </a:p>
-          <a:p>
-            <a:r>
-              <a:rPr lang="pt-BR" sz="1400" dirty="0">
-                <a:latin typeface="Consolas" panose="020B0609020204030204" pitchFamily="49" charset="0"/>
-              </a:rPr>
-              <a:t>    </a:t>
-            </a:r>
-            <a:r>
-              <a:rPr lang="pt-BR" sz="1400" dirty="0">
-                <a:solidFill>
-                  <a:schemeClr val="accent3"/>
-                </a:solidFill>
-                <a:latin typeface="Consolas" panose="020B0609020204030204" pitchFamily="49" charset="0"/>
-              </a:rPr>
-              <a:t>Tempo</a:t>
-            </a:r>
-            <a:r>
-              <a:rPr lang="pt-BR" sz="1400" dirty="0">
-                <a:latin typeface="Consolas" panose="020B0609020204030204" pitchFamily="49" charset="0"/>
-              </a:rPr>
-              <a:t> corrigindo { </a:t>
-            </a:r>
-            <a:r>
-              <a:rPr lang="pt-BR" sz="1400" dirty="0">
-                <a:solidFill>
-                  <a:schemeClr val="accent3">
-                    <a:lumMod val="60000"/>
-                    <a:lumOff val="40000"/>
-                  </a:schemeClr>
-                </a:solidFill>
-                <a:latin typeface="Consolas" panose="020B0609020204030204" pitchFamily="49" charset="0"/>
-              </a:rPr>
-              <a:t>5</a:t>
-            </a:r>
-            <a:r>
-              <a:rPr lang="pt-BR" sz="1400" dirty="0">
-                <a:latin typeface="Consolas" panose="020B0609020204030204" pitchFamily="49" charset="0"/>
-              </a:rPr>
-              <a:t>, </a:t>
-            </a:r>
-            <a:r>
-              <a:rPr lang="pt-BR" sz="1400" dirty="0">
-                <a:solidFill>
-                  <a:schemeClr val="accent3">
-                    <a:lumMod val="60000"/>
-                    <a:lumOff val="40000"/>
-                  </a:schemeClr>
-                </a:solidFill>
-                <a:latin typeface="Consolas" panose="020B0609020204030204" pitchFamily="49" charset="0"/>
-              </a:rPr>
-              <a:t>55</a:t>
-            </a:r>
-            <a:r>
-              <a:rPr lang="pt-BR" sz="1400" dirty="0">
-                <a:latin typeface="Consolas" panose="020B0609020204030204" pitchFamily="49" charset="0"/>
-              </a:rPr>
-              <a:t> };</a:t>
-            </a:r>
-          </a:p>
-          <a:p>
-            <a:r>
-              <a:rPr lang="pt-BR" sz="1400" dirty="0">
-                <a:latin typeface="Consolas" panose="020B0609020204030204" pitchFamily="49" charset="0"/>
-              </a:rPr>
-              <a:t>    </a:t>
-            </a:r>
-            <a:r>
-              <a:rPr lang="pt-BR" sz="1400" dirty="0">
-                <a:solidFill>
-                  <a:schemeClr val="accent3"/>
-                </a:solidFill>
-                <a:latin typeface="Consolas" panose="020B0609020204030204" pitchFamily="49" charset="0"/>
-              </a:rPr>
-              <a:t>Tempo</a:t>
-            </a:r>
-            <a:r>
-              <a:rPr lang="pt-BR" sz="1400" dirty="0">
-                <a:latin typeface="Consolas" panose="020B0609020204030204" pitchFamily="49" charset="0"/>
-              </a:rPr>
-              <a:t> total;</a:t>
-            </a:r>
-          </a:p>
-          <a:p>
-            <a:endParaRPr lang="pt-BR" sz="1400" dirty="0">
-              <a:latin typeface="Consolas" panose="020B0609020204030204" pitchFamily="49" charset="0"/>
-            </a:endParaRPr>
-          </a:p>
-          <a:p>
-            <a:r>
-              <a:rPr lang="pt-BR" sz="1400" dirty="0">
-                <a:latin typeface="Consolas" panose="020B0609020204030204" pitchFamily="49" charset="0"/>
-              </a:rPr>
-              <a:t>    </a:t>
-            </a:r>
-            <a:r>
-              <a:rPr lang="pt-BR" sz="1400" dirty="0">
-                <a:solidFill>
-                  <a:schemeClr val="bg1">
-                    <a:lumMod val="50000"/>
-                    <a:lumOff val="50000"/>
-                  </a:schemeClr>
-                </a:solidFill>
-                <a:latin typeface="Consolas" panose="020B0609020204030204" pitchFamily="49" charset="0"/>
-              </a:rPr>
-              <a:t>// total = codificando.operator+(corrigindo);</a:t>
-            </a:r>
-          </a:p>
-          <a:p>
-            <a:r>
-              <a:rPr lang="pt-BR" sz="1400" dirty="0">
-                <a:latin typeface="Consolas" panose="020B0609020204030204" pitchFamily="49" charset="0"/>
-              </a:rPr>
-              <a:t>    </a:t>
-            </a:r>
-          </a:p>
-          <a:p>
-            <a:r>
-              <a:rPr lang="pt-BR" sz="1400" dirty="0">
-                <a:latin typeface="Consolas" panose="020B0609020204030204" pitchFamily="49" charset="0"/>
-              </a:rPr>
-              <a:t>    total = codificando + corrigindo;</a:t>
-            </a:r>
-            <a:br>
-              <a:rPr lang="pt-BR" sz="1400" dirty="0">
-                <a:latin typeface="Consolas" panose="020B0609020204030204" pitchFamily="49" charset="0"/>
-              </a:rPr>
-            </a:br>
-            <a:endParaRPr lang="pt-BR" sz="1400" dirty="0">
-              <a:latin typeface="Consolas" panose="020B0609020204030204" pitchFamily="49" charset="0"/>
-            </a:endParaRPr>
-          </a:p>
-          <a:p>
-            <a:r>
-              <a:rPr lang="pt-BR" sz="1400" dirty="0">
-                <a:latin typeface="Consolas" panose="020B0609020204030204" pitchFamily="49" charset="0"/>
-              </a:rPr>
-              <a:t>    </a:t>
-            </a:r>
-            <a:r>
-              <a:rPr lang="pt-BR" sz="1400" dirty="0" err="1">
-                <a:latin typeface="Consolas" panose="020B0609020204030204" pitchFamily="49" charset="0"/>
-              </a:rPr>
-              <a:t>cout</a:t>
-            </a:r>
-            <a:r>
-              <a:rPr lang="pt-BR" sz="1400" dirty="0">
-                <a:latin typeface="Consolas" panose="020B0609020204030204" pitchFamily="49" charset="0"/>
-              </a:rPr>
-              <a:t> &lt;&lt; </a:t>
-            </a:r>
-            <a:r>
-              <a:rPr lang="pt-BR" sz="1400" dirty="0">
-                <a:solidFill>
-                  <a:schemeClr val="accent2">
-                    <a:lumMod val="60000"/>
-                    <a:lumOff val="40000"/>
-                  </a:schemeClr>
-                </a:solidFill>
-                <a:latin typeface="Consolas" panose="020B0609020204030204" pitchFamily="49" charset="0"/>
-              </a:rPr>
-              <a:t>"Tempo Total = "</a:t>
-            </a:r>
-            <a:r>
-              <a:rPr lang="pt-BR" sz="1400" dirty="0">
-                <a:latin typeface="Consolas" panose="020B0609020204030204" pitchFamily="49" charset="0"/>
-              </a:rPr>
-              <a:t>;</a:t>
-            </a:r>
-          </a:p>
-          <a:p>
-            <a:r>
-              <a:rPr lang="pt-BR" sz="1400" dirty="0">
-                <a:latin typeface="Consolas" panose="020B0609020204030204" pitchFamily="49" charset="0"/>
-              </a:rPr>
-              <a:t>    </a:t>
-            </a:r>
-            <a:r>
-              <a:rPr lang="pt-BR" sz="1400" dirty="0" err="1">
-                <a:latin typeface="Consolas" panose="020B0609020204030204" pitchFamily="49" charset="0"/>
-              </a:rPr>
-              <a:t>total.</a:t>
-            </a:r>
-            <a:r>
-              <a:rPr lang="pt-BR" sz="1400" dirty="0" err="1">
-                <a:solidFill>
-                  <a:schemeClr val="accent6">
-                    <a:lumMod val="60000"/>
-                    <a:lumOff val="40000"/>
-                  </a:schemeClr>
-                </a:solidFill>
-                <a:latin typeface="Consolas" panose="020B0609020204030204" pitchFamily="49" charset="0"/>
-              </a:rPr>
-              <a:t>Exibir</a:t>
-            </a:r>
-            <a:r>
-              <a:rPr lang="pt-BR" sz="1400" dirty="0">
-                <a:latin typeface="Consolas" panose="020B0609020204030204" pitchFamily="49" charset="0"/>
-              </a:rPr>
-              <a:t>();</a:t>
-            </a:r>
-          </a:p>
-          <a:p>
-            <a:r>
-              <a:rPr lang="pt-BR" sz="1400" dirty="0">
-                <a:latin typeface="Consolas" panose="020B0609020204030204" pitchFamily="49" charset="0"/>
-              </a:rPr>
-              <a:t>    </a:t>
-            </a:r>
-            <a:r>
-              <a:rPr lang="pt-BR" sz="1400" dirty="0" err="1">
-                <a:latin typeface="Consolas" panose="020B0609020204030204" pitchFamily="49" charset="0"/>
-              </a:rPr>
-              <a:t>cout</a:t>
-            </a:r>
-            <a:r>
-              <a:rPr lang="pt-BR" sz="1400" dirty="0">
-                <a:latin typeface="Consolas" panose="020B0609020204030204" pitchFamily="49" charset="0"/>
-              </a:rPr>
-              <a:t> &lt;&lt; </a:t>
-            </a:r>
-            <a:r>
-              <a:rPr lang="pt-BR" sz="1400" dirty="0" err="1">
-                <a:latin typeface="Consolas" panose="020B0609020204030204" pitchFamily="49" charset="0"/>
-              </a:rPr>
-              <a:t>endl</a:t>
-            </a:r>
-            <a:r>
-              <a:rPr lang="pt-BR" sz="1400" dirty="0">
-                <a:latin typeface="Consolas" panose="020B0609020204030204" pitchFamily="49" charset="0"/>
-              </a:rPr>
-              <a:t>;</a:t>
-            </a:r>
-            <a:br>
-              <a:rPr lang="pt-BR" sz="1400" dirty="0">
-                <a:latin typeface="Consolas" panose="020B0609020204030204" pitchFamily="49" charset="0"/>
-              </a:rPr>
-            </a:br>
-            <a:endParaRPr lang="pt-BR" sz="1400" dirty="0">
-              <a:latin typeface="Consolas" panose="020B0609020204030204" pitchFamily="49" charset="0"/>
-            </a:endParaRPr>
-          </a:p>
-          <a:p>
-            <a:r>
-              <a:rPr lang="pt-BR" sz="1400" dirty="0">
-                <a:latin typeface="Consolas" panose="020B0609020204030204" pitchFamily="49" charset="0"/>
-              </a:rPr>
-              <a:t>    ...</a:t>
-            </a:r>
-          </a:p>
-          <a:p>
-            <a:r>
-              <a:rPr lang="pt-BR" sz="1400" dirty="0">
-                <a:latin typeface="Consolas" panose="020B0609020204030204" pitchFamily="49" charset="0"/>
-              </a:rPr>
-              <a:t>}</a:t>
-            </a:r>
-          </a:p>
-        </p:txBody>
-      </p:sp>
+            <a:ln>
+              <a:solidFill>
+                <a:schemeClr val="accent6">
+                  <a:lumMod val="75000"/>
+                </a:schemeClr>
+              </a:solidFill>
+            </a:ln>
+          </p:spPr>
+          <p:style>
+            <a:lnRef idx="0">
+              <a:scrgbClr r="0" g="0" b="0"/>
+            </a:lnRef>
+            <a:fillRef idx="0">
+              <a:scrgbClr r="0" g="0" b="0"/>
+            </a:fillRef>
+            <a:effectRef idx="0">
+              <a:scrgbClr r="0" g="0" b="0"/>
+            </a:effectRef>
+            <a:fontRef idx="minor">
+              <a:schemeClr val="lt1"/>
+            </a:fontRef>
+          </p:style>
+          <p:txBody>
+            <a:bodyPr rtlCol="0" anchor="ctr"/>
+            <a:lstStyle/>
+            <a:p>
+              <a:pPr algn="ctr"/>
+              <a:endParaRPr lang="pt-BR" sz="1400" dirty="0"/>
+            </a:p>
+          </p:txBody>
+        </p:sp>
+        <p:sp>
+          <p:nvSpPr>
+            <p:cNvPr id="10" name="Retângulo: Cantos Arredondados 9">
+              <a:extLst>
+                <a:ext uri="{FF2B5EF4-FFF2-40B4-BE49-F238E27FC236}">
+                  <a16:creationId xmlns:a16="http://schemas.microsoft.com/office/drawing/2014/main" id="{7C2BBF40-6477-E70F-8F69-605054A36212}"/>
+                </a:ext>
+              </a:extLst>
+            </p:cNvPr>
+            <p:cNvSpPr/>
+            <p:nvPr/>
+          </p:nvSpPr>
+          <p:spPr>
+            <a:xfrm>
+              <a:off x="7212875" y="4539231"/>
+              <a:ext cx="3554743" cy="343458"/>
+            </a:xfrm>
+            <a:prstGeom prst="roundRect">
+              <a:avLst>
+                <a:gd name="adj" fmla="val 10390"/>
+              </a:avLst>
+            </a:prstGeom>
+            <a:solidFill>
+              <a:schemeClr val="accent6">
+                <a:lumMod val="50000"/>
+                <a:alpha val="50000"/>
+              </a:schemeClr>
+            </a:solidFill>
+            <a:ln>
+              <a:solidFill>
+                <a:schemeClr val="accent6">
+                  <a:lumMod val="75000"/>
+                </a:schemeClr>
+              </a:solidFill>
+            </a:ln>
+          </p:spPr>
+          <p:style>
+            <a:lnRef idx="0">
+              <a:scrgbClr r="0" g="0" b="0"/>
+            </a:lnRef>
+            <a:fillRef idx="0">
+              <a:scrgbClr r="0" g="0" b="0"/>
+            </a:fillRef>
+            <a:effectRef idx="0">
+              <a:scrgbClr r="0" g="0" b="0"/>
+            </a:effectRef>
+            <a:fontRef idx="minor">
+              <a:schemeClr val="lt1"/>
+            </a:fontRef>
+          </p:style>
+          <p:txBody>
+            <a:bodyPr rtlCol="0" anchor="ctr"/>
+            <a:lstStyle/>
+            <a:p>
+              <a:pPr algn="ctr"/>
+              <a:endParaRPr lang="pt-BR" sz="1400" dirty="0"/>
+            </a:p>
+          </p:txBody>
+        </p:sp>
+        <p:sp>
+          <p:nvSpPr>
+            <p:cNvPr id="4" name="CaixaDeTexto 3">
+              <a:extLst>
+                <a:ext uri="{FF2B5EF4-FFF2-40B4-BE49-F238E27FC236}">
+                  <a16:creationId xmlns:a16="http://schemas.microsoft.com/office/drawing/2014/main" id="{118E5E77-EB61-6951-1565-02FF69B07D87}"/>
+                </a:ext>
+              </a:extLst>
+            </p:cNvPr>
+            <p:cNvSpPr txBox="1"/>
+            <p:nvPr/>
+          </p:nvSpPr>
+          <p:spPr>
+            <a:xfrm>
+              <a:off x="1776099" y="2636146"/>
+              <a:ext cx="4582774" cy="3754874"/>
+            </a:xfrm>
+            <a:prstGeom prst="rect">
+              <a:avLst/>
+            </a:prstGeom>
+            <a:noFill/>
+          </p:spPr>
+          <p:txBody>
+            <a:bodyPr wrap="square">
+              <a:spAutoFit/>
+            </a:bodyPr>
+            <a:lstStyle/>
+            <a:p>
+              <a:r>
+                <a:rPr lang="pt-BR" sz="1400" dirty="0" err="1">
+                  <a:solidFill>
+                    <a:schemeClr val="accent3">
+                      <a:lumMod val="75000"/>
+                    </a:schemeClr>
+                  </a:solidFill>
+                  <a:latin typeface="Consolas" panose="020B0609020204030204" pitchFamily="49" charset="0"/>
+                </a:rPr>
+                <a:t>int</a:t>
+              </a:r>
+              <a:r>
+                <a:rPr lang="pt-BR" sz="1400" dirty="0">
+                  <a:latin typeface="Consolas" panose="020B0609020204030204" pitchFamily="49" charset="0"/>
+                </a:rPr>
+                <a:t> </a:t>
+              </a:r>
+              <a:r>
+                <a:rPr lang="pt-BR" sz="1400" dirty="0" err="1">
+                  <a:latin typeface="Consolas" panose="020B0609020204030204" pitchFamily="49" charset="0"/>
+                </a:rPr>
+                <a:t>main</a:t>
+              </a:r>
+              <a:r>
+                <a:rPr lang="pt-BR" sz="1400" dirty="0">
+                  <a:latin typeface="Consolas" panose="020B0609020204030204" pitchFamily="49" charset="0"/>
+                </a:rPr>
+                <a:t>()</a:t>
+              </a:r>
+            </a:p>
+            <a:p>
+              <a:r>
+                <a:rPr lang="pt-BR" sz="1400" dirty="0">
+                  <a:latin typeface="Consolas" panose="020B0609020204030204" pitchFamily="49" charset="0"/>
+                </a:rPr>
+                <a:t>{</a:t>
+              </a:r>
+            </a:p>
+            <a:p>
+              <a:r>
+                <a:rPr lang="pt-BR" sz="1400" dirty="0">
+                  <a:latin typeface="Consolas" panose="020B0609020204030204" pitchFamily="49" charset="0"/>
+                </a:rPr>
+                <a:t>    </a:t>
+              </a:r>
+              <a:r>
+                <a:rPr lang="pt-BR" sz="1400" dirty="0">
+                  <a:solidFill>
+                    <a:schemeClr val="accent3"/>
+                  </a:solidFill>
+                  <a:latin typeface="Consolas" panose="020B0609020204030204" pitchFamily="49" charset="0"/>
+                </a:rPr>
+                <a:t>Tempo</a:t>
+              </a:r>
+              <a:r>
+                <a:rPr lang="pt-BR" sz="1400" dirty="0">
+                  <a:latin typeface="Consolas" panose="020B0609020204030204" pitchFamily="49" charset="0"/>
+                </a:rPr>
+                <a:t> projetando;</a:t>
+              </a:r>
+            </a:p>
+            <a:p>
+              <a:r>
+                <a:rPr lang="pt-BR" sz="1400" dirty="0">
+                  <a:latin typeface="Consolas" panose="020B0609020204030204" pitchFamily="49" charset="0"/>
+                </a:rPr>
+                <a:t>    </a:t>
+              </a:r>
+              <a:r>
+                <a:rPr lang="pt-BR" sz="1400" dirty="0">
+                  <a:solidFill>
+                    <a:schemeClr val="accent3"/>
+                  </a:solidFill>
+                  <a:latin typeface="Consolas" panose="020B0609020204030204" pitchFamily="49" charset="0"/>
+                </a:rPr>
+                <a:t>Tempo</a:t>
+              </a:r>
+              <a:r>
+                <a:rPr lang="pt-BR" sz="1400" dirty="0">
+                  <a:latin typeface="Consolas" panose="020B0609020204030204" pitchFamily="49" charset="0"/>
+                </a:rPr>
+                <a:t> codificando { </a:t>
+              </a:r>
+              <a:r>
+                <a:rPr lang="pt-BR" sz="1400" dirty="0">
+                  <a:solidFill>
+                    <a:schemeClr val="accent3">
+                      <a:lumMod val="60000"/>
+                      <a:lumOff val="40000"/>
+                    </a:schemeClr>
+                  </a:solidFill>
+                  <a:latin typeface="Consolas" panose="020B0609020204030204" pitchFamily="49" charset="0"/>
+                </a:rPr>
+                <a:t>2</a:t>
+              </a:r>
+              <a:r>
+                <a:rPr lang="pt-BR" sz="1400" dirty="0">
+                  <a:latin typeface="Consolas" panose="020B0609020204030204" pitchFamily="49" charset="0"/>
+                </a:rPr>
+                <a:t>, </a:t>
+              </a:r>
+              <a:r>
+                <a:rPr lang="pt-BR" sz="1400" dirty="0">
+                  <a:solidFill>
+                    <a:schemeClr val="accent3">
+                      <a:lumMod val="60000"/>
+                      <a:lumOff val="40000"/>
+                    </a:schemeClr>
+                  </a:solidFill>
+                  <a:latin typeface="Consolas" panose="020B0609020204030204" pitchFamily="49" charset="0"/>
+                </a:rPr>
+                <a:t>40</a:t>
+              </a:r>
+              <a:r>
+                <a:rPr lang="pt-BR" sz="1400" dirty="0">
+                  <a:latin typeface="Consolas" panose="020B0609020204030204" pitchFamily="49" charset="0"/>
+                </a:rPr>
+                <a:t> };</a:t>
+              </a:r>
+            </a:p>
+            <a:p>
+              <a:r>
+                <a:rPr lang="pt-BR" sz="1400" dirty="0">
+                  <a:latin typeface="Consolas" panose="020B0609020204030204" pitchFamily="49" charset="0"/>
+                </a:rPr>
+                <a:t>    </a:t>
+              </a:r>
+              <a:r>
+                <a:rPr lang="pt-BR" sz="1400" dirty="0">
+                  <a:solidFill>
+                    <a:schemeClr val="accent3"/>
+                  </a:solidFill>
+                  <a:latin typeface="Consolas" panose="020B0609020204030204" pitchFamily="49" charset="0"/>
+                </a:rPr>
+                <a:t>Tempo</a:t>
+              </a:r>
+              <a:r>
+                <a:rPr lang="pt-BR" sz="1400" dirty="0">
+                  <a:latin typeface="Consolas" panose="020B0609020204030204" pitchFamily="49" charset="0"/>
+                </a:rPr>
+                <a:t> corrigindo { </a:t>
+              </a:r>
+              <a:r>
+                <a:rPr lang="pt-BR" sz="1400" dirty="0">
+                  <a:solidFill>
+                    <a:schemeClr val="accent3">
+                      <a:lumMod val="60000"/>
+                      <a:lumOff val="40000"/>
+                    </a:schemeClr>
+                  </a:solidFill>
+                  <a:latin typeface="Consolas" panose="020B0609020204030204" pitchFamily="49" charset="0"/>
+                </a:rPr>
+                <a:t>5</a:t>
+              </a:r>
+              <a:r>
+                <a:rPr lang="pt-BR" sz="1400" dirty="0">
+                  <a:latin typeface="Consolas" panose="020B0609020204030204" pitchFamily="49" charset="0"/>
+                </a:rPr>
+                <a:t>, </a:t>
+              </a:r>
+              <a:r>
+                <a:rPr lang="pt-BR" sz="1400" dirty="0">
+                  <a:solidFill>
+                    <a:schemeClr val="accent3">
+                      <a:lumMod val="60000"/>
+                      <a:lumOff val="40000"/>
+                    </a:schemeClr>
+                  </a:solidFill>
+                  <a:latin typeface="Consolas" panose="020B0609020204030204" pitchFamily="49" charset="0"/>
+                </a:rPr>
+                <a:t>55</a:t>
+              </a:r>
+              <a:r>
+                <a:rPr lang="pt-BR" sz="1400" dirty="0">
+                  <a:latin typeface="Consolas" panose="020B0609020204030204" pitchFamily="49" charset="0"/>
+                </a:rPr>
+                <a:t> };</a:t>
+              </a:r>
+            </a:p>
+            <a:p>
+              <a:r>
+                <a:rPr lang="pt-BR" sz="1400" dirty="0">
+                  <a:latin typeface="Consolas" panose="020B0609020204030204" pitchFamily="49" charset="0"/>
+                </a:rPr>
+                <a:t>    </a:t>
+              </a:r>
+              <a:r>
+                <a:rPr lang="pt-BR" sz="1400" dirty="0">
+                  <a:solidFill>
+                    <a:schemeClr val="accent3"/>
+                  </a:solidFill>
+                  <a:latin typeface="Consolas" panose="020B0609020204030204" pitchFamily="49" charset="0"/>
+                </a:rPr>
+                <a:t>Tempo</a:t>
+              </a:r>
+              <a:r>
+                <a:rPr lang="pt-BR" sz="1400" dirty="0">
+                  <a:latin typeface="Consolas" panose="020B0609020204030204" pitchFamily="49" charset="0"/>
+                </a:rPr>
+                <a:t> total;</a:t>
+              </a:r>
+            </a:p>
+            <a:p>
+              <a:endParaRPr lang="pt-BR" sz="1400" dirty="0">
+                <a:latin typeface="Consolas" panose="020B0609020204030204" pitchFamily="49" charset="0"/>
+              </a:endParaRPr>
+            </a:p>
+            <a:p>
+              <a:r>
+                <a:rPr lang="pt-BR" sz="1400" dirty="0">
+                  <a:latin typeface="Consolas" panose="020B0609020204030204" pitchFamily="49" charset="0"/>
+                </a:rPr>
+                <a:t>    </a:t>
+              </a:r>
+            </a:p>
+            <a:p>
+              <a:endParaRPr lang="pt-BR" sz="1400" dirty="0">
+                <a:latin typeface="Consolas" panose="020B0609020204030204" pitchFamily="49" charset="0"/>
+              </a:endParaRPr>
+            </a:p>
+            <a:p>
+              <a:r>
+                <a:rPr lang="pt-BR" sz="1400" dirty="0">
+                  <a:latin typeface="Consolas" panose="020B0609020204030204" pitchFamily="49" charset="0"/>
+                </a:rPr>
+                <a:t>    total = codificando.</a:t>
+              </a:r>
+              <a:r>
+                <a:rPr lang="pt-BR" sz="1400" dirty="0">
+                  <a:solidFill>
+                    <a:schemeClr val="accent6">
+                      <a:lumMod val="60000"/>
+                      <a:lumOff val="40000"/>
+                    </a:schemeClr>
+                  </a:solidFill>
+                  <a:latin typeface="Consolas" panose="020B0609020204030204" pitchFamily="49" charset="0"/>
+                </a:rPr>
+                <a:t>Somar</a:t>
+              </a:r>
+              <a:r>
+                <a:rPr lang="pt-BR" sz="1400" dirty="0">
+                  <a:latin typeface="Consolas" panose="020B0609020204030204" pitchFamily="49" charset="0"/>
+                </a:rPr>
+                <a:t>(corrigindo);</a:t>
+              </a:r>
+              <a:br>
+                <a:rPr lang="pt-BR" sz="1400" dirty="0">
+                  <a:latin typeface="Consolas" panose="020B0609020204030204" pitchFamily="49" charset="0"/>
+                </a:rPr>
+              </a:br>
+              <a:endParaRPr lang="pt-BR" sz="1400" dirty="0">
+                <a:latin typeface="Consolas" panose="020B0609020204030204" pitchFamily="49" charset="0"/>
+              </a:endParaRPr>
+            </a:p>
+            <a:p>
+              <a:r>
+                <a:rPr lang="pt-BR" sz="1400" dirty="0">
+                  <a:latin typeface="Consolas" panose="020B0609020204030204" pitchFamily="49" charset="0"/>
+                </a:rPr>
+                <a:t>    </a:t>
+              </a:r>
+              <a:r>
+                <a:rPr lang="pt-BR" sz="1400" dirty="0" err="1">
+                  <a:latin typeface="Consolas" panose="020B0609020204030204" pitchFamily="49" charset="0"/>
+                </a:rPr>
+                <a:t>cout</a:t>
+              </a:r>
+              <a:r>
+                <a:rPr lang="pt-BR" sz="1400" dirty="0">
+                  <a:latin typeface="Consolas" panose="020B0609020204030204" pitchFamily="49" charset="0"/>
+                </a:rPr>
+                <a:t> &lt;&lt; </a:t>
+              </a:r>
+              <a:r>
+                <a:rPr lang="pt-BR" sz="1400" dirty="0">
+                  <a:solidFill>
+                    <a:schemeClr val="accent2">
+                      <a:lumMod val="60000"/>
+                      <a:lumOff val="40000"/>
+                    </a:schemeClr>
+                  </a:solidFill>
+                  <a:latin typeface="Consolas" panose="020B0609020204030204" pitchFamily="49" charset="0"/>
+                </a:rPr>
+                <a:t>"Tempo Total = "</a:t>
+              </a:r>
+              <a:r>
+                <a:rPr lang="pt-BR" sz="1400" dirty="0">
+                  <a:latin typeface="Consolas" panose="020B0609020204030204" pitchFamily="49" charset="0"/>
+                </a:rPr>
+                <a:t>;</a:t>
+              </a:r>
+            </a:p>
+            <a:p>
+              <a:r>
+                <a:rPr lang="pt-BR" sz="1400" dirty="0">
+                  <a:latin typeface="Consolas" panose="020B0609020204030204" pitchFamily="49" charset="0"/>
+                </a:rPr>
+                <a:t>    </a:t>
+              </a:r>
+              <a:r>
+                <a:rPr lang="pt-BR" sz="1400" dirty="0" err="1">
+                  <a:latin typeface="Consolas" panose="020B0609020204030204" pitchFamily="49" charset="0"/>
+                </a:rPr>
+                <a:t>total.</a:t>
+              </a:r>
+              <a:r>
+                <a:rPr lang="pt-BR" sz="1400" dirty="0" err="1">
+                  <a:solidFill>
+                    <a:schemeClr val="accent6">
+                      <a:lumMod val="60000"/>
+                      <a:lumOff val="40000"/>
+                    </a:schemeClr>
+                  </a:solidFill>
+                  <a:latin typeface="Consolas" panose="020B0609020204030204" pitchFamily="49" charset="0"/>
+                </a:rPr>
+                <a:t>Exibir</a:t>
+              </a:r>
+              <a:r>
+                <a:rPr lang="pt-BR" sz="1400" dirty="0">
+                  <a:latin typeface="Consolas" panose="020B0609020204030204" pitchFamily="49" charset="0"/>
+                </a:rPr>
+                <a:t>();</a:t>
+              </a:r>
+            </a:p>
+            <a:p>
+              <a:r>
+                <a:rPr lang="pt-BR" sz="1400" dirty="0">
+                  <a:latin typeface="Consolas" panose="020B0609020204030204" pitchFamily="49" charset="0"/>
+                </a:rPr>
+                <a:t>    </a:t>
+              </a:r>
+              <a:r>
+                <a:rPr lang="pt-BR" sz="1400" dirty="0" err="1">
+                  <a:latin typeface="Consolas" panose="020B0609020204030204" pitchFamily="49" charset="0"/>
+                </a:rPr>
+                <a:t>cout</a:t>
+              </a:r>
+              <a:r>
+                <a:rPr lang="pt-BR" sz="1400" dirty="0">
+                  <a:latin typeface="Consolas" panose="020B0609020204030204" pitchFamily="49" charset="0"/>
+                </a:rPr>
+                <a:t> &lt;&lt; </a:t>
+              </a:r>
+              <a:r>
+                <a:rPr lang="pt-BR" sz="1400" dirty="0" err="1">
+                  <a:latin typeface="Consolas" panose="020B0609020204030204" pitchFamily="49" charset="0"/>
+                </a:rPr>
+                <a:t>endl</a:t>
+              </a:r>
+              <a:r>
+                <a:rPr lang="pt-BR" sz="1400" dirty="0">
+                  <a:latin typeface="Consolas" panose="020B0609020204030204" pitchFamily="49" charset="0"/>
+                </a:rPr>
+                <a:t>;</a:t>
+              </a:r>
+              <a:br>
+                <a:rPr lang="pt-BR" sz="1400" dirty="0">
+                  <a:latin typeface="Consolas" panose="020B0609020204030204" pitchFamily="49" charset="0"/>
+                </a:rPr>
+              </a:br>
+              <a:endParaRPr lang="pt-BR" sz="1400" dirty="0">
+                <a:latin typeface="Consolas" panose="020B0609020204030204" pitchFamily="49" charset="0"/>
+              </a:endParaRPr>
+            </a:p>
+            <a:p>
+              <a:r>
+                <a:rPr lang="pt-BR" sz="1400" dirty="0">
+                  <a:latin typeface="Consolas" panose="020B0609020204030204" pitchFamily="49" charset="0"/>
+                </a:rPr>
+                <a:t>    ...</a:t>
+              </a:r>
+            </a:p>
+            <a:p>
+              <a:r>
+                <a:rPr lang="pt-BR" sz="1400" dirty="0">
+                  <a:latin typeface="Consolas" panose="020B0609020204030204" pitchFamily="49" charset="0"/>
+                </a:rPr>
+                <a:t>}</a:t>
+              </a:r>
+            </a:p>
+          </p:txBody>
+        </p:sp>
+        <p:cxnSp>
+          <p:nvCxnSpPr>
+            <p:cNvPr id="6" name="Conector reto 5">
+              <a:extLst>
+                <a:ext uri="{FF2B5EF4-FFF2-40B4-BE49-F238E27FC236}">
+                  <a16:creationId xmlns:a16="http://schemas.microsoft.com/office/drawing/2014/main" id="{9772FEF7-6EAF-F140-BD77-8E19A8B19117}"/>
+                </a:ext>
+              </a:extLst>
+            </p:cNvPr>
+            <p:cNvCxnSpPr>
+              <a:cxnSpLocks/>
+            </p:cNvCxnSpPr>
+            <p:nvPr/>
+          </p:nvCxnSpPr>
+          <p:spPr>
+            <a:xfrm flipV="1">
+              <a:off x="6468323" y="2636146"/>
+              <a:ext cx="0" cy="3440424"/>
+            </a:xfrm>
+            <a:prstGeom prst="line">
+              <a:avLst/>
+            </a:prstGeom>
+            <a:ln w="12700">
+              <a:solidFill>
+                <a:schemeClr val="accent6"/>
+              </a:solidFill>
+              <a:prstDash val="dash"/>
+            </a:ln>
+          </p:spPr>
+          <p:style>
+            <a:lnRef idx="1">
+              <a:schemeClr val="accent1"/>
+            </a:lnRef>
+            <a:fillRef idx="0">
+              <a:schemeClr val="accent1"/>
+            </a:fillRef>
+            <a:effectRef idx="0">
+              <a:schemeClr val="accent1"/>
+            </a:effectRef>
+            <a:fontRef idx="minor">
+              <a:schemeClr val="tx1"/>
+            </a:fontRef>
+          </p:style>
+        </p:cxnSp>
+        <p:sp>
+          <p:nvSpPr>
+            <p:cNvPr id="7" name="CaixaDeTexto 6">
+              <a:extLst>
+                <a:ext uri="{FF2B5EF4-FFF2-40B4-BE49-F238E27FC236}">
+                  <a16:creationId xmlns:a16="http://schemas.microsoft.com/office/drawing/2014/main" id="{905D52BB-E255-04FC-EB89-1D99299BD72E}"/>
+                </a:ext>
+              </a:extLst>
+            </p:cNvPr>
+            <p:cNvSpPr txBox="1"/>
+            <p:nvPr/>
+          </p:nvSpPr>
+          <p:spPr>
+            <a:xfrm>
+              <a:off x="6897477" y="2636146"/>
+              <a:ext cx="5241811" cy="3754874"/>
+            </a:xfrm>
+            <a:prstGeom prst="rect">
+              <a:avLst/>
+            </a:prstGeom>
+            <a:noFill/>
+          </p:spPr>
+          <p:txBody>
+            <a:bodyPr wrap="square">
+              <a:spAutoFit/>
+            </a:bodyPr>
+            <a:lstStyle/>
+            <a:p>
+              <a:r>
+                <a:rPr lang="pt-BR" sz="1400" dirty="0" err="1">
+                  <a:solidFill>
+                    <a:schemeClr val="accent3">
+                      <a:lumMod val="75000"/>
+                    </a:schemeClr>
+                  </a:solidFill>
+                  <a:latin typeface="Consolas" panose="020B0609020204030204" pitchFamily="49" charset="0"/>
+                </a:rPr>
+                <a:t>int</a:t>
+              </a:r>
+              <a:r>
+                <a:rPr lang="pt-BR" sz="1400" dirty="0">
+                  <a:latin typeface="Consolas" panose="020B0609020204030204" pitchFamily="49" charset="0"/>
+                </a:rPr>
+                <a:t> </a:t>
+              </a:r>
+              <a:r>
+                <a:rPr lang="pt-BR" sz="1400" dirty="0" err="1">
+                  <a:latin typeface="Consolas" panose="020B0609020204030204" pitchFamily="49" charset="0"/>
+                </a:rPr>
+                <a:t>main</a:t>
+              </a:r>
+              <a:r>
+                <a:rPr lang="pt-BR" sz="1400" dirty="0">
+                  <a:latin typeface="Consolas" panose="020B0609020204030204" pitchFamily="49" charset="0"/>
+                </a:rPr>
+                <a:t>()</a:t>
+              </a:r>
+            </a:p>
+            <a:p>
+              <a:r>
+                <a:rPr lang="pt-BR" sz="1400" dirty="0">
+                  <a:latin typeface="Consolas" panose="020B0609020204030204" pitchFamily="49" charset="0"/>
+                </a:rPr>
+                <a:t>{</a:t>
+              </a:r>
+            </a:p>
+            <a:p>
+              <a:r>
+                <a:rPr lang="pt-BR" sz="1400" dirty="0">
+                  <a:latin typeface="Consolas" panose="020B0609020204030204" pitchFamily="49" charset="0"/>
+                </a:rPr>
+                <a:t>    </a:t>
+              </a:r>
+              <a:r>
+                <a:rPr lang="pt-BR" sz="1400" dirty="0">
+                  <a:solidFill>
+                    <a:schemeClr val="accent3"/>
+                  </a:solidFill>
+                  <a:latin typeface="Consolas" panose="020B0609020204030204" pitchFamily="49" charset="0"/>
+                </a:rPr>
+                <a:t>Tempo</a:t>
+              </a:r>
+              <a:r>
+                <a:rPr lang="pt-BR" sz="1400" dirty="0">
+                  <a:latin typeface="Consolas" panose="020B0609020204030204" pitchFamily="49" charset="0"/>
+                </a:rPr>
+                <a:t> projetando;</a:t>
+              </a:r>
+            </a:p>
+            <a:p>
+              <a:r>
+                <a:rPr lang="pt-BR" sz="1400" dirty="0">
+                  <a:latin typeface="Consolas" panose="020B0609020204030204" pitchFamily="49" charset="0"/>
+                </a:rPr>
+                <a:t>    </a:t>
+              </a:r>
+              <a:r>
+                <a:rPr lang="pt-BR" sz="1400" dirty="0">
+                  <a:solidFill>
+                    <a:schemeClr val="accent3"/>
+                  </a:solidFill>
+                  <a:latin typeface="Consolas" panose="020B0609020204030204" pitchFamily="49" charset="0"/>
+                </a:rPr>
+                <a:t>Tempo</a:t>
+              </a:r>
+              <a:r>
+                <a:rPr lang="pt-BR" sz="1400" dirty="0">
+                  <a:latin typeface="Consolas" panose="020B0609020204030204" pitchFamily="49" charset="0"/>
+                </a:rPr>
+                <a:t> codificando { </a:t>
+              </a:r>
+              <a:r>
+                <a:rPr lang="pt-BR" sz="1400" dirty="0">
+                  <a:solidFill>
+                    <a:schemeClr val="accent3">
+                      <a:lumMod val="60000"/>
+                      <a:lumOff val="40000"/>
+                    </a:schemeClr>
+                  </a:solidFill>
+                  <a:latin typeface="Consolas" panose="020B0609020204030204" pitchFamily="49" charset="0"/>
+                </a:rPr>
+                <a:t>2</a:t>
+              </a:r>
+              <a:r>
+                <a:rPr lang="pt-BR" sz="1400" dirty="0">
+                  <a:latin typeface="Consolas" panose="020B0609020204030204" pitchFamily="49" charset="0"/>
+                </a:rPr>
+                <a:t>, </a:t>
+              </a:r>
+              <a:r>
+                <a:rPr lang="pt-BR" sz="1400" dirty="0">
+                  <a:solidFill>
+                    <a:schemeClr val="accent3">
+                      <a:lumMod val="60000"/>
+                      <a:lumOff val="40000"/>
+                    </a:schemeClr>
+                  </a:solidFill>
+                  <a:latin typeface="Consolas" panose="020B0609020204030204" pitchFamily="49" charset="0"/>
+                </a:rPr>
+                <a:t>40</a:t>
+              </a:r>
+              <a:r>
+                <a:rPr lang="pt-BR" sz="1400" dirty="0">
+                  <a:latin typeface="Consolas" panose="020B0609020204030204" pitchFamily="49" charset="0"/>
+                </a:rPr>
+                <a:t> };</a:t>
+              </a:r>
+            </a:p>
+            <a:p>
+              <a:r>
+                <a:rPr lang="pt-BR" sz="1400" dirty="0">
+                  <a:latin typeface="Consolas" panose="020B0609020204030204" pitchFamily="49" charset="0"/>
+                </a:rPr>
+                <a:t>    </a:t>
+              </a:r>
+              <a:r>
+                <a:rPr lang="pt-BR" sz="1400" dirty="0">
+                  <a:solidFill>
+                    <a:schemeClr val="accent3"/>
+                  </a:solidFill>
+                  <a:latin typeface="Consolas" panose="020B0609020204030204" pitchFamily="49" charset="0"/>
+                </a:rPr>
+                <a:t>Tempo</a:t>
+              </a:r>
+              <a:r>
+                <a:rPr lang="pt-BR" sz="1400" dirty="0">
+                  <a:latin typeface="Consolas" panose="020B0609020204030204" pitchFamily="49" charset="0"/>
+                </a:rPr>
+                <a:t> corrigindo { </a:t>
+              </a:r>
+              <a:r>
+                <a:rPr lang="pt-BR" sz="1400" dirty="0">
+                  <a:solidFill>
+                    <a:schemeClr val="accent3">
+                      <a:lumMod val="60000"/>
+                      <a:lumOff val="40000"/>
+                    </a:schemeClr>
+                  </a:solidFill>
+                  <a:latin typeface="Consolas" panose="020B0609020204030204" pitchFamily="49" charset="0"/>
+                </a:rPr>
+                <a:t>5</a:t>
+              </a:r>
+              <a:r>
+                <a:rPr lang="pt-BR" sz="1400" dirty="0">
+                  <a:latin typeface="Consolas" panose="020B0609020204030204" pitchFamily="49" charset="0"/>
+                </a:rPr>
+                <a:t>, </a:t>
+              </a:r>
+              <a:r>
+                <a:rPr lang="pt-BR" sz="1400" dirty="0">
+                  <a:solidFill>
+                    <a:schemeClr val="accent3">
+                      <a:lumMod val="60000"/>
+                      <a:lumOff val="40000"/>
+                    </a:schemeClr>
+                  </a:solidFill>
+                  <a:latin typeface="Consolas" panose="020B0609020204030204" pitchFamily="49" charset="0"/>
+                </a:rPr>
+                <a:t>55</a:t>
+              </a:r>
+              <a:r>
+                <a:rPr lang="pt-BR" sz="1400" dirty="0">
+                  <a:latin typeface="Consolas" panose="020B0609020204030204" pitchFamily="49" charset="0"/>
+                </a:rPr>
+                <a:t> };</a:t>
+              </a:r>
+            </a:p>
+            <a:p>
+              <a:r>
+                <a:rPr lang="pt-BR" sz="1400" dirty="0">
+                  <a:latin typeface="Consolas" panose="020B0609020204030204" pitchFamily="49" charset="0"/>
+                </a:rPr>
+                <a:t>    </a:t>
+              </a:r>
+              <a:r>
+                <a:rPr lang="pt-BR" sz="1400" dirty="0">
+                  <a:solidFill>
+                    <a:schemeClr val="accent3"/>
+                  </a:solidFill>
+                  <a:latin typeface="Consolas" panose="020B0609020204030204" pitchFamily="49" charset="0"/>
+                </a:rPr>
+                <a:t>Tempo</a:t>
+              </a:r>
+              <a:r>
+                <a:rPr lang="pt-BR" sz="1400" dirty="0">
+                  <a:latin typeface="Consolas" panose="020B0609020204030204" pitchFamily="49" charset="0"/>
+                </a:rPr>
+                <a:t> total;</a:t>
+              </a:r>
+            </a:p>
+            <a:p>
+              <a:endParaRPr lang="pt-BR" sz="1400" dirty="0">
+                <a:latin typeface="Consolas" panose="020B0609020204030204" pitchFamily="49" charset="0"/>
+              </a:endParaRPr>
+            </a:p>
+            <a:p>
+              <a:r>
+                <a:rPr lang="pt-BR" sz="1400" dirty="0">
+                  <a:latin typeface="Consolas" panose="020B0609020204030204" pitchFamily="49" charset="0"/>
+                </a:rPr>
+                <a:t>    </a:t>
+              </a:r>
+              <a:r>
+                <a:rPr lang="pt-BR" sz="1400" dirty="0">
+                  <a:solidFill>
+                    <a:schemeClr val="bg1">
+                      <a:lumMod val="50000"/>
+                      <a:lumOff val="50000"/>
+                    </a:schemeClr>
+                  </a:solidFill>
+                  <a:latin typeface="Consolas" panose="020B0609020204030204" pitchFamily="49" charset="0"/>
+                </a:rPr>
+                <a:t>// total = codificando.operator+(corrigindo);</a:t>
+              </a:r>
+            </a:p>
+            <a:p>
+              <a:r>
+                <a:rPr lang="pt-BR" sz="1400" dirty="0">
+                  <a:latin typeface="Consolas" panose="020B0609020204030204" pitchFamily="49" charset="0"/>
+                </a:rPr>
+                <a:t>    </a:t>
+              </a:r>
+            </a:p>
+            <a:p>
+              <a:r>
+                <a:rPr lang="pt-BR" sz="1400" dirty="0">
+                  <a:latin typeface="Consolas" panose="020B0609020204030204" pitchFamily="49" charset="0"/>
+                </a:rPr>
+                <a:t>    total = codificando + corrigindo;</a:t>
+              </a:r>
+              <a:br>
+                <a:rPr lang="pt-BR" sz="1400" dirty="0">
+                  <a:latin typeface="Consolas" panose="020B0609020204030204" pitchFamily="49" charset="0"/>
+                </a:rPr>
+              </a:br>
+              <a:endParaRPr lang="pt-BR" sz="1400" dirty="0">
+                <a:latin typeface="Consolas" panose="020B0609020204030204" pitchFamily="49" charset="0"/>
+              </a:endParaRPr>
+            </a:p>
+            <a:p>
+              <a:r>
+                <a:rPr lang="pt-BR" sz="1400" dirty="0">
+                  <a:latin typeface="Consolas" panose="020B0609020204030204" pitchFamily="49" charset="0"/>
+                </a:rPr>
+                <a:t>    </a:t>
+              </a:r>
+              <a:r>
+                <a:rPr lang="pt-BR" sz="1400" dirty="0" err="1">
+                  <a:latin typeface="Consolas" panose="020B0609020204030204" pitchFamily="49" charset="0"/>
+                </a:rPr>
+                <a:t>cout</a:t>
+              </a:r>
+              <a:r>
+                <a:rPr lang="pt-BR" sz="1400" dirty="0">
+                  <a:latin typeface="Consolas" panose="020B0609020204030204" pitchFamily="49" charset="0"/>
+                </a:rPr>
+                <a:t> &lt;&lt; </a:t>
+              </a:r>
+              <a:r>
+                <a:rPr lang="pt-BR" sz="1400" dirty="0">
+                  <a:solidFill>
+                    <a:schemeClr val="accent2">
+                      <a:lumMod val="60000"/>
+                      <a:lumOff val="40000"/>
+                    </a:schemeClr>
+                  </a:solidFill>
+                  <a:latin typeface="Consolas" panose="020B0609020204030204" pitchFamily="49" charset="0"/>
+                </a:rPr>
+                <a:t>"Tempo Total = "</a:t>
+              </a:r>
+              <a:r>
+                <a:rPr lang="pt-BR" sz="1400" dirty="0">
+                  <a:latin typeface="Consolas" panose="020B0609020204030204" pitchFamily="49" charset="0"/>
+                </a:rPr>
+                <a:t>;</a:t>
+              </a:r>
+            </a:p>
+            <a:p>
+              <a:r>
+                <a:rPr lang="pt-BR" sz="1400" dirty="0">
+                  <a:latin typeface="Consolas" panose="020B0609020204030204" pitchFamily="49" charset="0"/>
+                </a:rPr>
+                <a:t>    </a:t>
+              </a:r>
+              <a:r>
+                <a:rPr lang="pt-BR" sz="1400" dirty="0" err="1">
+                  <a:latin typeface="Consolas" panose="020B0609020204030204" pitchFamily="49" charset="0"/>
+                </a:rPr>
+                <a:t>total.</a:t>
+              </a:r>
+              <a:r>
+                <a:rPr lang="pt-BR" sz="1400" dirty="0" err="1">
+                  <a:solidFill>
+                    <a:schemeClr val="accent6">
+                      <a:lumMod val="60000"/>
+                      <a:lumOff val="40000"/>
+                    </a:schemeClr>
+                  </a:solidFill>
+                  <a:latin typeface="Consolas" panose="020B0609020204030204" pitchFamily="49" charset="0"/>
+                </a:rPr>
+                <a:t>Exibir</a:t>
+              </a:r>
+              <a:r>
+                <a:rPr lang="pt-BR" sz="1400" dirty="0">
+                  <a:latin typeface="Consolas" panose="020B0609020204030204" pitchFamily="49" charset="0"/>
+                </a:rPr>
+                <a:t>();</a:t>
+              </a:r>
+            </a:p>
+            <a:p>
+              <a:r>
+                <a:rPr lang="pt-BR" sz="1400" dirty="0">
+                  <a:latin typeface="Consolas" panose="020B0609020204030204" pitchFamily="49" charset="0"/>
+                </a:rPr>
+                <a:t>    </a:t>
+              </a:r>
+              <a:r>
+                <a:rPr lang="pt-BR" sz="1400" dirty="0" err="1">
+                  <a:latin typeface="Consolas" panose="020B0609020204030204" pitchFamily="49" charset="0"/>
+                </a:rPr>
+                <a:t>cout</a:t>
+              </a:r>
+              <a:r>
+                <a:rPr lang="pt-BR" sz="1400" dirty="0">
+                  <a:latin typeface="Consolas" panose="020B0609020204030204" pitchFamily="49" charset="0"/>
+                </a:rPr>
+                <a:t> &lt;&lt; </a:t>
+              </a:r>
+              <a:r>
+                <a:rPr lang="pt-BR" sz="1400" dirty="0" err="1">
+                  <a:latin typeface="Consolas" panose="020B0609020204030204" pitchFamily="49" charset="0"/>
+                </a:rPr>
+                <a:t>endl</a:t>
+              </a:r>
+              <a:r>
+                <a:rPr lang="pt-BR" sz="1400" dirty="0">
+                  <a:latin typeface="Consolas" panose="020B0609020204030204" pitchFamily="49" charset="0"/>
+                </a:rPr>
+                <a:t>;</a:t>
+              </a:r>
+              <a:br>
+                <a:rPr lang="pt-BR" sz="1400" dirty="0">
+                  <a:latin typeface="Consolas" panose="020B0609020204030204" pitchFamily="49" charset="0"/>
+                </a:rPr>
+              </a:br>
+              <a:endParaRPr lang="pt-BR" sz="1400" dirty="0">
+                <a:latin typeface="Consolas" panose="020B0609020204030204" pitchFamily="49" charset="0"/>
+              </a:endParaRPr>
+            </a:p>
+            <a:p>
+              <a:r>
+                <a:rPr lang="pt-BR" sz="1400" dirty="0">
+                  <a:latin typeface="Consolas" panose="020B0609020204030204" pitchFamily="49" charset="0"/>
+                </a:rPr>
+                <a:t>    ...</a:t>
+              </a:r>
+            </a:p>
+            <a:p>
+              <a:r>
+                <a:rPr lang="pt-BR" sz="1400" dirty="0">
+                  <a:latin typeface="Consolas" panose="020B0609020204030204" pitchFamily="49" charset="0"/>
+                </a:rPr>
+                <a:t>}</a:t>
+              </a:r>
+            </a:p>
+          </p:txBody>
+        </p:sp>
+      </p:grpSp>
     </p:spTree>
     <p:extLst>
       <p:ext uri="{BB962C8B-B14F-4D97-AF65-F5344CB8AC3E}">
@@ -15324,494 +15366,515 @@
           </p:txBody>
         </p:sp>
       </p:grpSp>
-      <p:sp>
-        <p:nvSpPr>
-          <p:cNvPr id="8" name="CaixaDeTexto 7">
+      <p:grpSp>
+        <p:nvGrpSpPr>
+          <p:cNvPr id="4" name="Agrupar 3">
             <a:extLst>
               <a:ext uri="{FF2B5EF4-FFF2-40B4-BE49-F238E27FC236}">
-                <a16:creationId xmlns:a16="http://schemas.microsoft.com/office/drawing/2014/main" id="{EAAA4FB0-5163-2A66-36A8-25C348EED1B5}"/>
+                <a16:creationId xmlns:a16="http://schemas.microsoft.com/office/drawing/2014/main" id="{C02929EC-89A6-3AF5-6DF3-E5047787434F}"/>
               </a:ext>
             </a:extLst>
           </p:cNvPr>
-          <p:cNvSpPr txBox="1"/>
+          <p:cNvGrpSpPr/>
           <p:nvPr/>
-        </p:nvSpPr>
-        <p:spPr>
+        </p:nvGrpSpPr>
+        <p:grpSpPr>
           <a:xfrm>
-            <a:off x="2722344" y="3796864"/>
-            <a:ext cx="3910173" cy="400110"/>
+            <a:off x="2185669" y="2857809"/>
+            <a:ext cx="4983522" cy="2678330"/>
+            <a:chOff x="2185669" y="2857809"/>
+            <a:chExt cx="4983522" cy="2678330"/>
           </a:xfrm>
-          <a:prstGeom prst="rect">
-            <a:avLst/>
-          </a:prstGeom>
-          <a:noFill/>
-        </p:spPr>
-        <p:txBody>
-          <a:bodyPr wrap="square">
-            <a:spAutoFit/>
-          </a:bodyPr>
-          <a:lstStyle/>
-          <a:p>
-            <a:r>
-              <a:rPr lang="pt-BR" sz="2000" dirty="0">
-                <a:latin typeface="Consolas" panose="020B0609020204030204" pitchFamily="49" charset="0"/>
-              </a:rPr>
-              <a:t>codificando + corrigindo</a:t>
-            </a:r>
-            <a:endParaRPr lang="pt-BR" sz="2000" dirty="0"/>
-          </a:p>
-        </p:txBody>
-      </p:sp>
-      <p:sp>
-        <p:nvSpPr>
-          <p:cNvPr id="14" name="CaixaDeTexto 13">
-            <a:extLst>
-              <a:ext uri="{FF2B5EF4-FFF2-40B4-BE49-F238E27FC236}">
-                <a16:creationId xmlns:a16="http://schemas.microsoft.com/office/drawing/2014/main" id="{8C6A627D-0856-8D86-04F4-A7E5880A903B}"/>
-              </a:ext>
-            </a:extLst>
-          </p:cNvPr>
-          <p:cNvSpPr txBox="1"/>
-          <p:nvPr/>
-        </p:nvSpPr>
-        <p:spPr>
-          <a:xfrm>
-            <a:off x="2185669" y="5136029"/>
-            <a:ext cx="4983522" cy="400110"/>
-          </a:xfrm>
-          <a:prstGeom prst="rect">
-            <a:avLst/>
-          </a:prstGeom>
-          <a:noFill/>
-        </p:spPr>
-        <p:txBody>
-          <a:bodyPr wrap="square">
-            <a:spAutoFit/>
-          </a:bodyPr>
-          <a:lstStyle/>
-          <a:p>
-            <a:r>
-              <a:rPr lang="pt-BR" sz="2000" dirty="0">
-                <a:latin typeface="Consolas" panose="020B0609020204030204" pitchFamily="49" charset="0"/>
-              </a:rPr>
-              <a:t>codificando.</a:t>
-            </a:r>
-            <a:r>
-              <a:rPr lang="pt-BR" sz="2000" dirty="0">
-                <a:solidFill>
-                  <a:schemeClr val="accent6">
-                    <a:lumMod val="60000"/>
-                    <a:lumOff val="40000"/>
-                  </a:schemeClr>
-                </a:solidFill>
-                <a:latin typeface="Consolas" panose="020B0609020204030204" pitchFamily="49" charset="0"/>
-              </a:rPr>
-              <a:t>operator+</a:t>
-            </a:r>
-            <a:r>
-              <a:rPr lang="pt-BR" sz="2000" dirty="0">
-                <a:latin typeface="Consolas" panose="020B0609020204030204" pitchFamily="49" charset="0"/>
-              </a:rPr>
-              <a:t>(corrigindo)</a:t>
-            </a:r>
-            <a:endParaRPr lang="pt-BR" sz="2000" dirty="0"/>
-          </a:p>
-        </p:txBody>
-      </p:sp>
-      <p:cxnSp>
-        <p:nvCxnSpPr>
-          <p:cNvPr id="17" name="Conector Reto 16">
-            <a:extLst>
-              <a:ext uri="{FF2B5EF4-FFF2-40B4-BE49-F238E27FC236}">
-                <a16:creationId xmlns:a16="http://schemas.microsoft.com/office/drawing/2014/main" id="{04056FD3-7F13-8B36-0C1D-A16DA5F2FD5C}"/>
-              </a:ext>
-            </a:extLst>
-          </p:cNvPr>
-          <p:cNvCxnSpPr>
-            <a:cxnSpLocks/>
-          </p:cNvCxnSpPr>
-          <p:nvPr/>
-        </p:nvCxnSpPr>
-        <p:spPr>
-          <a:xfrm>
-            <a:off x="4552073" y="4272871"/>
-            <a:ext cx="0" cy="760347"/>
-          </a:xfrm>
-          <a:prstGeom prst="line">
-            <a:avLst/>
-          </a:prstGeom>
-          <a:ln w="38100">
+        </p:grpSpPr>
+        <p:sp>
+          <p:nvSpPr>
+            <p:cNvPr id="8" name="CaixaDeTexto 7">
+              <a:extLst>
+                <a:ext uri="{FF2B5EF4-FFF2-40B4-BE49-F238E27FC236}">
+                  <a16:creationId xmlns:a16="http://schemas.microsoft.com/office/drawing/2014/main" id="{EAAA4FB0-5163-2A66-36A8-25C348EED1B5}"/>
+                </a:ext>
+              </a:extLst>
+            </p:cNvPr>
+            <p:cNvSpPr txBox="1"/>
+            <p:nvPr/>
+          </p:nvSpPr>
+          <p:spPr>
+            <a:xfrm>
+              <a:off x="2722344" y="3796864"/>
+              <a:ext cx="3910173" cy="400110"/>
+            </a:xfrm>
+            <a:prstGeom prst="rect">
+              <a:avLst/>
+            </a:prstGeom>
+            <a:noFill/>
+          </p:spPr>
+          <p:txBody>
+            <a:bodyPr wrap="square">
+              <a:spAutoFit/>
+            </a:bodyPr>
+            <a:lstStyle/>
+            <a:p>
+              <a:r>
+                <a:rPr lang="pt-BR" sz="2000" dirty="0">
+                  <a:latin typeface="Consolas" panose="020B0609020204030204" pitchFamily="49" charset="0"/>
+                </a:rPr>
+                <a:t>codificando + corrigindo</a:t>
+              </a:r>
+              <a:endParaRPr lang="pt-BR" sz="2000" dirty="0"/>
+            </a:p>
+          </p:txBody>
+        </p:sp>
+        <p:sp>
+          <p:nvSpPr>
+            <p:cNvPr id="14" name="CaixaDeTexto 13">
+              <a:extLst>
+                <a:ext uri="{FF2B5EF4-FFF2-40B4-BE49-F238E27FC236}">
+                  <a16:creationId xmlns:a16="http://schemas.microsoft.com/office/drawing/2014/main" id="{8C6A627D-0856-8D86-04F4-A7E5880A903B}"/>
+                </a:ext>
+              </a:extLst>
+            </p:cNvPr>
+            <p:cNvSpPr txBox="1"/>
+            <p:nvPr/>
+          </p:nvSpPr>
+          <p:spPr>
+            <a:xfrm>
+              <a:off x="2185669" y="5136029"/>
+              <a:ext cx="4983522" cy="400110"/>
+            </a:xfrm>
+            <a:prstGeom prst="rect">
+              <a:avLst/>
+            </a:prstGeom>
+            <a:noFill/>
+          </p:spPr>
+          <p:txBody>
+            <a:bodyPr wrap="square">
+              <a:spAutoFit/>
+            </a:bodyPr>
+            <a:lstStyle/>
+            <a:p>
+              <a:r>
+                <a:rPr lang="pt-BR" sz="2000" dirty="0">
+                  <a:latin typeface="Consolas" panose="020B0609020204030204" pitchFamily="49" charset="0"/>
+                </a:rPr>
+                <a:t>codificando.</a:t>
+              </a:r>
+              <a:r>
+                <a:rPr lang="pt-BR" sz="2000" dirty="0">
+                  <a:solidFill>
+                    <a:schemeClr val="accent6">
+                      <a:lumMod val="60000"/>
+                      <a:lumOff val="40000"/>
+                    </a:schemeClr>
+                  </a:solidFill>
+                  <a:latin typeface="Consolas" panose="020B0609020204030204" pitchFamily="49" charset="0"/>
+                </a:rPr>
+                <a:t>operator+</a:t>
+              </a:r>
+              <a:r>
+                <a:rPr lang="pt-BR" sz="2000" dirty="0">
+                  <a:latin typeface="Consolas" panose="020B0609020204030204" pitchFamily="49" charset="0"/>
+                </a:rPr>
+                <a:t>(corrigindo)</a:t>
+              </a:r>
+              <a:endParaRPr lang="pt-BR" sz="2000" dirty="0"/>
+            </a:p>
+          </p:txBody>
+        </p:sp>
+        <p:cxnSp>
+          <p:nvCxnSpPr>
+            <p:cNvPr id="17" name="Conector Reto 16">
+              <a:extLst>
+                <a:ext uri="{FF2B5EF4-FFF2-40B4-BE49-F238E27FC236}">
+                  <a16:creationId xmlns:a16="http://schemas.microsoft.com/office/drawing/2014/main" id="{04056FD3-7F13-8B36-0C1D-A16DA5F2FD5C}"/>
+                </a:ext>
+              </a:extLst>
+            </p:cNvPr>
+            <p:cNvCxnSpPr>
+              <a:cxnSpLocks/>
+            </p:cNvCxnSpPr>
+            <p:nvPr/>
+          </p:nvCxnSpPr>
+          <p:spPr>
+            <a:xfrm>
+              <a:off x="4552073" y="4272871"/>
+              <a:ext cx="0" cy="760347"/>
+            </a:xfrm>
+            <a:prstGeom prst="line">
+              <a:avLst/>
+            </a:prstGeom>
+            <a:ln w="38100">
+              <a:solidFill>
+                <a:schemeClr val="accent6">
+                  <a:lumMod val="75000"/>
+                </a:schemeClr>
+              </a:solidFill>
+              <a:headEnd type="none" w="med" len="med"/>
+              <a:tailEnd type="triangle" w="lg" len="med"/>
+            </a:ln>
+          </p:spPr>
+          <p:style>
+            <a:lnRef idx="1">
+              <a:schemeClr val="accent1"/>
+            </a:lnRef>
+            <a:fillRef idx="0">
+              <a:schemeClr val="accent1"/>
+            </a:fillRef>
+            <a:effectRef idx="0">
+              <a:schemeClr val="accent1"/>
+            </a:effectRef>
+            <a:fontRef idx="minor">
+              <a:schemeClr val="tx1"/>
+            </a:fontRef>
+          </p:style>
+        </p:cxnSp>
+        <p:cxnSp>
+          <p:nvCxnSpPr>
+            <p:cNvPr id="34" name="Conector Angulado 33">
+              <a:extLst>
+                <a:ext uri="{FF2B5EF4-FFF2-40B4-BE49-F238E27FC236}">
+                  <a16:creationId xmlns:a16="http://schemas.microsoft.com/office/drawing/2014/main" id="{74A7B654-4CC1-3FF1-0707-0513922B1F07}"/>
+                </a:ext>
+              </a:extLst>
+            </p:cNvPr>
+            <p:cNvCxnSpPr>
+              <a:cxnSpLocks/>
+            </p:cNvCxnSpPr>
+            <p:nvPr/>
+          </p:nvCxnSpPr>
+          <p:spPr>
+            <a:xfrm rot="5400000">
+              <a:off x="2943097" y="4403912"/>
+              <a:ext cx="786413" cy="536517"/>
+            </a:xfrm>
+            <a:prstGeom prst="bentConnector3">
+              <a:avLst>
+                <a:gd name="adj1" fmla="val 50000"/>
+              </a:avLst>
+            </a:prstGeom>
+            <a:ln w="38100">
+              <a:solidFill>
+                <a:schemeClr val="accent6">
+                  <a:lumMod val="75000"/>
+                </a:schemeClr>
+              </a:solidFill>
+              <a:tailEnd type="triangle" w="lg" len="med"/>
+            </a:ln>
+          </p:spPr>
+          <p:style>
+            <a:lnRef idx="1">
+              <a:schemeClr val="accent1"/>
+            </a:lnRef>
+            <a:fillRef idx="0">
+              <a:schemeClr val="accent1"/>
+            </a:fillRef>
+            <a:effectRef idx="0">
+              <a:schemeClr val="accent1"/>
+            </a:effectRef>
+            <a:fontRef idx="minor">
+              <a:schemeClr val="tx1"/>
+            </a:fontRef>
+          </p:style>
+        </p:cxnSp>
+        <p:sp>
+          <p:nvSpPr>
+            <p:cNvPr id="37" name="Oval 36">
+              <a:extLst>
+                <a:ext uri="{FF2B5EF4-FFF2-40B4-BE49-F238E27FC236}">
+                  <a16:creationId xmlns:a16="http://schemas.microsoft.com/office/drawing/2014/main" id="{B895695F-02C5-4C5C-62B6-9C00CEE5886A}"/>
+                </a:ext>
+              </a:extLst>
+            </p:cNvPr>
+            <p:cNvSpPr/>
+            <p:nvPr/>
+          </p:nvSpPr>
+          <p:spPr>
+            <a:xfrm rot="60000">
+              <a:off x="4412764" y="3868957"/>
+              <a:ext cx="293608" cy="293608"/>
+            </a:xfrm>
+            <a:prstGeom prst="ellipse">
+              <a:avLst/>
+            </a:prstGeom>
             <a:solidFill>
               <a:schemeClr val="accent6">
-                <a:lumMod val="75000"/>
+                <a:lumMod val="50000"/>
+                <a:alpha val="50000"/>
               </a:schemeClr>
             </a:solidFill>
-            <a:headEnd type="none" w="med" len="med"/>
-            <a:tailEnd type="triangle" w="lg" len="med"/>
-          </a:ln>
-        </p:spPr>
-        <p:style>
-          <a:lnRef idx="1">
-            <a:schemeClr val="accent1"/>
-          </a:lnRef>
-          <a:fillRef idx="0">
-            <a:schemeClr val="accent1"/>
-          </a:fillRef>
-          <a:effectRef idx="0">
-            <a:schemeClr val="accent1"/>
-          </a:effectRef>
-          <a:fontRef idx="minor">
-            <a:schemeClr val="tx1"/>
-          </a:fontRef>
-        </p:style>
-      </p:cxnSp>
-      <p:cxnSp>
-        <p:nvCxnSpPr>
-          <p:cNvPr id="34" name="Conector Angulado 33">
-            <a:extLst>
-              <a:ext uri="{FF2B5EF4-FFF2-40B4-BE49-F238E27FC236}">
-                <a16:creationId xmlns:a16="http://schemas.microsoft.com/office/drawing/2014/main" id="{74A7B654-4CC1-3FF1-0707-0513922B1F07}"/>
-              </a:ext>
-            </a:extLst>
-          </p:cNvPr>
-          <p:cNvCxnSpPr>
-            <a:cxnSpLocks/>
-          </p:cNvCxnSpPr>
-          <p:nvPr/>
-        </p:nvCxnSpPr>
-        <p:spPr>
-          <a:xfrm rot="5400000">
-            <a:off x="2943097" y="4403912"/>
-            <a:ext cx="786413" cy="536517"/>
-          </a:xfrm>
-          <a:prstGeom prst="bentConnector3">
-            <a:avLst>
-              <a:gd name="adj1" fmla="val 50000"/>
-            </a:avLst>
-          </a:prstGeom>
-          <a:ln w="38100">
+            <a:ln>
+              <a:noFill/>
+            </a:ln>
+          </p:spPr>
+          <p:style>
+            <a:lnRef idx="2">
+              <a:schemeClr val="accent1">
+                <a:shade val="50000"/>
+              </a:schemeClr>
+            </a:lnRef>
+            <a:fillRef idx="1">
+              <a:schemeClr val="accent1"/>
+            </a:fillRef>
+            <a:effectRef idx="0">
+              <a:schemeClr val="accent1"/>
+            </a:effectRef>
+            <a:fontRef idx="minor">
+              <a:schemeClr val="lt1"/>
+            </a:fontRef>
+          </p:style>
+          <p:txBody>
+            <a:bodyPr rtlCol="0" anchor="ctr"/>
+            <a:lstStyle/>
+            <a:p>
+              <a:pPr algn="ctr"/>
+              <a:endParaRPr lang="pt-BR"/>
+            </a:p>
+          </p:txBody>
+        </p:sp>
+        <p:sp>
+          <p:nvSpPr>
+            <p:cNvPr id="38" name="CaixaDeTexto 37">
+              <a:extLst>
+                <a:ext uri="{FF2B5EF4-FFF2-40B4-BE49-F238E27FC236}">
+                  <a16:creationId xmlns:a16="http://schemas.microsoft.com/office/drawing/2014/main" id="{9CB0AF54-6FF1-7290-D784-08AFB0776A6B}"/>
+                </a:ext>
+              </a:extLst>
+            </p:cNvPr>
+            <p:cNvSpPr txBox="1"/>
+            <p:nvPr/>
+          </p:nvSpPr>
+          <p:spPr>
+            <a:xfrm>
+              <a:off x="3068045" y="2918350"/>
+              <a:ext cx="1125693" cy="646331"/>
+            </a:xfrm>
+            <a:prstGeom prst="rect">
+              <a:avLst/>
+            </a:prstGeom>
+            <a:noFill/>
+          </p:spPr>
+          <p:txBody>
+            <a:bodyPr wrap="none" rtlCol="0">
+              <a:spAutoFit/>
+            </a:bodyPr>
+            <a:lstStyle/>
+            <a:p>
+              <a:pPr algn="ctr"/>
+              <a:r>
+                <a:rPr lang="pt-BR" dirty="0"/>
+                <a:t>Operando</a:t>
+              </a:r>
+              <a:br>
+                <a:rPr lang="pt-BR" dirty="0"/>
+              </a:br>
+              <a:r>
+                <a:rPr lang="pt-BR" dirty="0"/>
+                <a:t>Esquerdo</a:t>
+              </a:r>
+            </a:p>
+          </p:txBody>
+        </p:sp>
+        <p:sp>
+          <p:nvSpPr>
+            <p:cNvPr id="39" name="CaixaDeTexto 38">
+              <a:extLst>
+                <a:ext uri="{FF2B5EF4-FFF2-40B4-BE49-F238E27FC236}">
+                  <a16:creationId xmlns:a16="http://schemas.microsoft.com/office/drawing/2014/main" id="{C802F903-4720-DE51-0FFC-AC988ADAC4D0}"/>
+                </a:ext>
+              </a:extLst>
+            </p:cNvPr>
+            <p:cNvSpPr txBox="1"/>
+            <p:nvPr/>
+          </p:nvSpPr>
+          <p:spPr>
+            <a:xfrm>
+              <a:off x="4887840" y="2936400"/>
+              <a:ext cx="1125693" cy="646331"/>
+            </a:xfrm>
+            <a:prstGeom prst="rect">
+              <a:avLst/>
+            </a:prstGeom>
+            <a:noFill/>
+          </p:spPr>
+          <p:txBody>
+            <a:bodyPr wrap="none" rtlCol="0">
+              <a:spAutoFit/>
+            </a:bodyPr>
+            <a:lstStyle/>
+            <a:p>
+              <a:pPr algn="ctr"/>
+              <a:r>
+                <a:rPr lang="pt-BR" dirty="0"/>
+                <a:t>Operando</a:t>
+              </a:r>
+              <a:br>
+                <a:rPr lang="pt-BR" dirty="0"/>
+              </a:br>
+              <a:r>
+                <a:rPr lang="pt-BR" dirty="0"/>
+                <a:t>Direito</a:t>
+              </a:r>
+            </a:p>
+          </p:txBody>
+        </p:sp>
+        <p:cxnSp>
+          <p:nvCxnSpPr>
+            <p:cNvPr id="40" name="Conector Angulado 39">
+              <a:extLst>
+                <a:ext uri="{FF2B5EF4-FFF2-40B4-BE49-F238E27FC236}">
+                  <a16:creationId xmlns:a16="http://schemas.microsoft.com/office/drawing/2014/main" id="{B7D12299-5A45-83BC-9839-1CD2538C536F}"/>
+                </a:ext>
+              </a:extLst>
+            </p:cNvPr>
+            <p:cNvCxnSpPr>
+              <a:cxnSpLocks/>
+            </p:cNvCxnSpPr>
+            <p:nvPr/>
+          </p:nvCxnSpPr>
+          <p:spPr>
+            <a:xfrm rot="16200000" flipH="1">
+              <a:off x="5354789" y="4403912"/>
+              <a:ext cx="786413" cy="536517"/>
+            </a:xfrm>
+            <a:prstGeom prst="bentConnector3">
+              <a:avLst>
+                <a:gd name="adj1" fmla="val 50000"/>
+              </a:avLst>
+            </a:prstGeom>
+            <a:ln w="38100">
+              <a:solidFill>
+                <a:schemeClr val="accent6">
+                  <a:lumMod val="75000"/>
+                </a:schemeClr>
+              </a:solidFill>
+              <a:tailEnd type="triangle" w="lg" len="med"/>
+            </a:ln>
+          </p:spPr>
+          <p:style>
+            <a:lnRef idx="1">
+              <a:schemeClr val="accent1"/>
+            </a:lnRef>
+            <a:fillRef idx="0">
+              <a:schemeClr val="accent1"/>
+            </a:fillRef>
+            <a:effectRef idx="0">
+              <a:schemeClr val="accent1"/>
+            </a:effectRef>
+            <a:fontRef idx="minor">
+              <a:schemeClr val="tx1"/>
+            </a:fontRef>
+          </p:style>
+        </p:cxnSp>
+        <p:sp>
+          <p:nvSpPr>
+            <p:cNvPr id="41" name="Retângulo Arredondado 40">
+              <a:extLst>
+                <a:ext uri="{FF2B5EF4-FFF2-40B4-BE49-F238E27FC236}">
+                  <a16:creationId xmlns:a16="http://schemas.microsoft.com/office/drawing/2014/main" id="{A7808A0E-FBD6-35B2-4BE5-5E680356C2BE}"/>
+                </a:ext>
+              </a:extLst>
+            </p:cNvPr>
+            <p:cNvSpPr/>
+            <p:nvPr/>
+          </p:nvSpPr>
+          <p:spPr>
+            <a:xfrm>
+              <a:off x="2968668" y="2857809"/>
+              <a:ext cx="1307535" cy="738306"/>
+            </a:xfrm>
+            <a:prstGeom prst="roundRect">
+              <a:avLst/>
+            </a:prstGeom>
             <a:solidFill>
               <a:schemeClr val="accent6">
-                <a:lumMod val="75000"/>
+                <a:lumMod val="50000"/>
+                <a:alpha val="49968"/>
               </a:schemeClr>
             </a:solidFill>
-            <a:tailEnd type="triangle" w="lg" len="med"/>
-          </a:ln>
-        </p:spPr>
-        <p:style>
-          <a:lnRef idx="1">
-            <a:schemeClr val="accent1"/>
-          </a:lnRef>
-          <a:fillRef idx="0">
-            <a:schemeClr val="accent1"/>
-          </a:fillRef>
-          <a:effectRef idx="0">
-            <a:schemeClr val="accent1"/>
-          </a:effectRef>
-          <a:fontRef idx="minor">
-            <a:schemeClr val="tx1"/>
-          </a:fontRef>
-        </p:style>
-      </p:cxnSp>
-      <p:sp>
-        <p:nvSpPr>
-          <p:cNvPr id="37" name="Oval 36">
-            <a:extLst>
-              <a:ext uri="{FF2B5EF4-FFF2-40B4-BE49-F238E27FC236}">
-                <a16:creationId xmlns:a16="http://schemas.microsoft.com/office/drawing/2014/main" id="{B895695F-02C5-4C5C-62B6-9C00CEE5886A}"/>
-              </a:ext>
-            </a:extLst>
-          </p:cNvPr>
-          <p:cNvSpPr/>
-          <p:nvPr/>
-        </p:nvSpPr>
-        <p:spPr>
-          <a:xfrm rot="60000">
-            <a:off x="4412764" y="3868957"/>
-            <a:ext cx="293608" cy="293608"/>
-          </a:xfrm>
-          <a:prstGeom prst="ellipse">
-            <a:avLst/>
-          </a:prstGeom>
-          <a:solidFill>
-            <a:schemeClr val="accent6">
-              <a:lumMod val="50000"/>
-              <a:alpha val="50000"/>
-            </a:schemeClr>
-          </a:solidFill>
-          <a:ln>
-            <a:noFill/>
-          </a:ln>
-        </p:spPr>
-        <p:style>
-          <a:lnRef idx="2">
-            <a:schemeClr val="accent1">
-              <a:shade val="50000"/>
-            </a:schemeClr>
-          </a:lnRef>
-          <a:fillRef idx="1">
-            <a:schemeClr val="accent1"/>
-          </a:fillRef>
-          <a:effectRef idx="0">
-            <a:schemeClr val="accent1"/>
-          </a:effectRef>
-          <a:fontRef idx="minor">
-            <a:schemeClr val="lt1"/>
-          </a:fontRef>
-        </p:style>
-        <p:txBody>
-          <a:bodyPr rtlCol="0" anchor="ctr"/>
-          <a:lstStyle/>
-          <a:p>
-            <a:pPr algn="ctr"/>
-            <a:endParaRPr lang="pt-BR"/>
-          </a:p>
-        </p:txBody>
-      </p:sp>
-      <p:sp>
-        <p:nvSpPr>
-          <p:cNvPr id="38" name="CaixaDeTexto 37">
-            <a:extLst>
-              <a:ext uri="{FF2B5EF4-FFF2-40B4-BE49-F238E27FC236}">
-                <a16:creationId xmlns:a16="http://schemas.microsoft.com/office/drawing/2014/main" id="{9CB0AF54-6FF1-7290-D784-08AFB0776A6B}"/>
-              </a:ext>
-            </a:extLst>
-          </p:cNvPr>
-          <p:cNvSpPr txBox="1"/>
-          <p:nvPr/>
-        </p:nvSpPr>
-        <p:spPr>
-          <a:xfrm>
-            <a:off x="3068045" y="2918350"/>
-            <a:ext cx="1125693" cy="646331"/>
-          </a:xfrm>
-          <a:prstGeom prst="rect">
-            <a:avLst/>
-          </a:prstGeom>
-          <a:noFill/>
-        </p:spPr>
-        <p:txBody>
-          <a:bodyPr wrap="none" rtlCol="0">
-            <a:spAutoFit/>
-          </a:bodyPr>
-          <a:lstStyle/>
-          <a:p>
-            <a:pPr algn="ctr"/>
-            <a:r>
-              <a:rPr lang="pt-BR" dirty="0"/>
-              <a:t>Operando</a:t>
-            </a:r>
-            <a:br>
-              <a:rPr lang="pt-BR" dirty="0"/>
-            </a:br>
-            <a:r>
-              <a:rPr lang="pt-BR" dirty="0"/>
-              <a:t>Esquerdo</a:t>
-            </a:r>
-          </a:p>
-        </p:txBody>
-      </p:sp>
-      <p:sp>
-        <p:nvSpPr>
-          <p:cNvPr id="39" name="CaixaDeTexto 38">
-            <a:extLst>
-              <a:ext uri="{FF2B5EF4-FFF2-40B4-BE49-F238E27FC236}">
-                <a16:creationId xmlns:a16="http://schemas.microsoft.com/office/drawing/2014/main" id="{C802F903-4720-DE51-0FFC-AC988ADAC4D0}"/>
-              </a:ext>
-            </a:extLst>
-          </p:cNvPr>
-          <p:cNvSpPr txBox="1"/>
-          <p:nvPr/>
-        </p:nvSpPr>
-        <p:spPr>
-          <a:xfrm>
-            <a:off x="4887840" y="2936400"/>
-            <a:ext cx="1125693" cy="646331"/>
-          </a:xfrm>
-          <a:prstGeom prst="rect">
-            <a:avLst/>
-          </a:prstGeom>
-          <a:noFill/>
-        </p:spPr>
-        <p:txBody>
-          <a:bodyPr wrap="none" rtlCol="0">
-            <a:spAutoFit/>
-          </a:bodyPr>
-          <a:lstStyle/>
-          <a:p>
-            <a:pPr algn="ctr"/>
-            <a:r>
-              <a:rPr lang="pt-BR" dirty="0"/>
-              <a:t>Operando</a:t>
-            </a:r>
-            <a:br>
-              <a:rPr lang="pt-BR" dirty="0"/>
-            </a:br>
-            <a:r>
-              <a:rPr lang="pt-BR" dirty="0"/>
-              <a:t>Direito</a:t>
-            </a:r>
-          </a:p>
-        </p:txBody>
-      </p:sp>
-      <p:cxnSp>
-        <p:nvCxnSpPr>
-          <p:cNvPr id="40" name="Conector Angulado 39">
-            <a:extLst>
-              <a:ext uri="{FF2B5EF4-FFF2-40B4-BE49-F238E27FC236}">
-                <a16:creationId xmlns:a16="http://schemas.microsoft.com/office/drawing/2014/main" id="{B7D12299-5A45-83BC-9839-1CD2538C536F}"/>
-              </a:ext>
-            </a:extLst>
-          </p:cNvPr>
-          <p:cNvCxnSpPr>
-            <a:cxnSpLocks/>
-          </p:cNvCxnSpPr>
-          <p:nvPr/>
-        </p:nvCxnSpPr>
-        <p:spPr>
-          <a:xfrm rot="16200000" flipH="1">
-            <a:off x="5354789" y="4403912"/>
-            <a:ext cx="786413" cy="536517"/>
-          </a:xfrm>
-          <a:prstGeom prst="bentConnector3">
-            <a:avLst>
-              <a:gd name="adj1" fmla="val 50000"/>
-            </a:avLst>
-          </a:prstGeom>
-          <a:ln w="38100">
+            <a:ln>
+              <a:noFill/>
+            </a:ln>
+          </p:spPr>
+          <p:style>
+            <a:lnRef idx="2">
+              <a:schemeClr val="accent1">
+                <a:shade val="50000"/>
+              </a:schemeClr>
+            </a:lnRef>
+            <a:fillRef idx="1">
+              <a:schemeClr val="accent1"/>
+            </a:fillRef>
+            <a:effectRef idx="0">
+              <a:schemeClr val="accent1"/>
+            </a:effectRef>
+            <a:fontRef idx="minor">
+              <a:schemeClr val="lt1"/>
+            </a:fontRef>
+          </p:style>
+          <p:txBody>
+            <a:bodyPr rtlCol="0" anchor="ctr"/>
+            <a:lstStyle/>
+            <a:p>
+              <a:pPr algn="ctr"/>
+              <a:endParaRPr lang="pt-BR"/>
+            </a:p>
+          </p:txBody>
+        </p:sp>
+        <p:sp>
+          <p:nvSpPr>
+            <p:cNvPr id="42" name="Retângulo Arredondado 41">
+              <a:extLst>
+                <a:ext uri="{FF2B5EF4-FFF2-40B4-BE49-F238E27FC236}">
+                  <a16:creationId xmlns:a16="http://schemas.microsoft.com/office/drawing/2014/main" id="{8758EF9C-4C5C-41F4-8D1D-F8AFB5227446}"/>
+                </a:ext>
+              </a:extLst>
+            </p:cNvPr>
+            <p:cNvSpPr/>
+            <p:nvPr/>
+          </p:nvSpPr>
+          <p:spPr>
+            <a:xfrm>
+              <a:off x="4788465" y="2890412"/>
+              <a:ext cx="1307535" cy="738306"/>
+            </a:xfrm>
+            <a:prstGeom prst="roundRect">
+              <a:avLst/>
+            </a:prstGeom>
             <a:solidFill>
               <a:schemeClr val="accent6">
-                <a:lumMod val="75000"/>
+                <a:lumMod val="50000"/>
+                <a:alpha val="49968"/>
               </a:schemeClr>
             </a:solidFill>
-            <a:tailEnd type="triangle" w="lg" len="med"/>
-          </a:ln>
-        </p:spPr>
-        <p:style>
-          <a:lnRef idx="1">
-            <a:schemeClr val="accent1"/>
-          </a:lnRef>
-          <a:fillRef idx="0">
-            <a:schemeClr val="accent1"/>
-          </a:fillRef>
-          <a:effectRef idx="0">
-            <a:schemeClr val="accent1"/>
-          </a:effectRef>
-          <a:fontRef idx="minor">
-            <a:schemeClr val="tx1"/>
-          </a:fontRef>
-        </p:style>
-      </p:cxnSp>
-      <p:sp>
-        <p:nvSpPr>
-          <p:cNvPr id="41" name="Retângulo Arredondado 40">
-            <a:extLst>
-              <a:ext uri="{FF2B5EF4-FFF2-40B4-BE49-F238E27FC236}">
-                <a16:creationId xmlns:a16="http://schemas.microsoft.com/office/drawing/2014/main" id="{A7808A0E-FBD6-35B2-4BE5-5E680356C2BE}"/>
-              </a:ext>
-            </a:extLst>
-          </p:cNvPr>
-          <p:cNvSpPr/>
-          <p:nvPr/>
-        </p:nvSpPr>
-        <p:spPr>
-          <a:xfrm>
-            <a:off x="2968668" y="2857809"/>
-            <a:ext cx="1307535" cy="738306"/>
-          </a:xfrm>
-          <a:prstGeom prst="roundRect">
-            <a:avLst/>
-          </a:prstGeom>
-          <a:solidFill>
-            <a:schemeClr val="accent6">
-              <a:lumMod val="50000"/>
-              <a:alpha val="49968"/>
-            </a:schemeClr>
-          </a:solidFill>
-          <a:ln>
-            <a:noFill/>
-          </a:ln>
-        </p:spPr>
-        <p:style>
-          <a:lnRef idx="2">
-            <a:schemeClr val="accent1">
-              <a:shade val="50000"/>
-            </a:schemeClr>
-          </a:lnRef>
-          <a:fillRef idx="1">
-            <a:schemeClr val="accent1"/>
-          </a:fillRef>
-          <a:effectRef idx="0">
-            <a:schemeClr val="accent1"/>
-          </a:effectRef>
-          <a:fontRef idx="minor">
-            <a:schemeClr val="lt1"/>
-          </a:fontRef>
-        </p:style>
-        <p:txBody>
-          <a:bodyPr rtlCol="0" anchor="ctr"/>
-          <a:lstStyle/>
-          <a:p>
-            <a:pPr algn="ctr"/>
-            <a:endParaRPr lang="pt-BR"/>
-          </a:p>
-        </p:txBody>
-      </p:sp>
-      <p:sp>
-        <p:nvSpPr>
-          <p:cNvPr id="42" name="Retângulo Arredondado 41">
-            <a:extLst>
-              <a:ext uri="{FF2B5EF4-FFF2-40B4-BE49-F238E27FC236}">
-                <a16:creationId xmlns:a16="http://schemas.microsoft.com/office/drawing/2014/main" id="{8758EF9C-4C5C-41F4-8D1D-F8AFB5227446}"/>
-              </a:ext>
-            </a:extLst>
-          </p:cNvPr>
-          <p:cNvSpPr/>
-          <p:nvPr/>
-        </p:nvSpPr>
-        <p:spPr>
-          <a:xfrm>
-            <a:off x="4788465" y="2890412"/>
-            <a:ext cx="1307535" cy="738306"/>
-          </a:xfrm>
-          <a:prstGeom prst="roundRect">
-            <a:avLst/>
-          </a:prstGeom>
-          <a:solidFill>
-            <a:schemeClr val="accent6">
-              <a:lumMod val="50000"/>
-              <a:alpha val="49968"/>
-            </a:schemeClr>
-          </a:solidFill>
-          <a:ln>
-            <a:noFill/>
-          </a:ln>
-        </p:spPr>
-        <p:style>
-          <a:lnRef idx="2">
-            <a:schemeClr val="accent1">
-              <a:shade val="50000"/>
-            </a:schemeClr>
-          </a:lnRef>
-          <a:fillRef idx="1">
-            <a:schemeClr val="accent1"/>
-          </a:fillRef>
-          <a:effectRef idx="0">
-            <a:schemeClr val="accent1"/>
-          </a:effectRef>
-          <a:fontRef idx="minor">
-            <a:schemeClr val="lt1"/>
-          </a:fontRef>
-        </p:style>
-        <p:txBody>
-          <a:bodyPr rtlCol="0" anchor="ctr"/>
-          <a:lstStyle/>
-          <a:p>
-            <a:pPr algn="ctr"/>
-            <a:endParaRPr lang="pt-BR"/>
-          </a:p>
-        </p:txBody>
-      </p:sp>
+            <a:ln>
+              <a:noFill/>
+            </a:ln>
+          </p:spPr>
+          <p:style>
+            <a:lnRef idx="2">
+              <a:schemeClr val="accent1">
+                <a:shade val="50000"/>
+              </a:schemeClr>
+            </a:lnRef>
+            <a:fillRef idx="1">
+              <a:schemeClr val="accent1"/>
+            </a:fillRef>
+            <a:effectRef idx="0">
+              <a:schemeClr val="accent1"/>
+            </a:effectRef>
+            <a:fontRef idx="minor">
+              <a:schemeClr val="lt1"/>
+            </a:fontRef>
+          </p:style>
+          <p:txBody>
+            <a:bodyPr rtlCol="0" anchor="ctr"/>
+            <a:lstStyle/>
+            <a:p>
+              <a:pPr algn="ctr"/>
+              <a:endParaRPr lang="pt-BR"/>
+            </a:p>
+          </p:txBody>
+        </p:sp>
+      </p:grpSp>
     </p:spTree>
     <p:extLst>
       <p:ext uri="{BB962C8B-B14F-4D97-AF65-F5344CB8AC3E}">
@@ -21228,7 +21291,7 @@
         <p:spPr>
           <a:xfrm>
             <a:off x="2047090" y="3530951"/>
-            <a:ext cx="6395452" cy="1323439"/>
+            <a:ext cx="4728391" cy="1323439"/>
           </a:xfrm>
           <a:prstGeom prst="rect">
             <a:avLst/>
